--- a/Documents/DataMining.pptx
+++ b/Documents/DataMining.pptx
@@ -7,16 +7,17 @@
     <p:sldMasterId id="2147483683" r:id="rId3"/>
   </p:sldMasterIdLst>
   <p:notesMasterIdLst>
-    <p:notesMasterId r:id="rId11"/>
+    <p:notesMasterId r:id="rId12"/>
   </p:notesMasterIdLst>
   <p:sldIdLst>
     <p:sldId id="256" r:id="rId4"/>
     <p:sldId id="276" r:id="rId5"/>
     <p:sldId id="277" r:id="rId6"/>
-    <p:sldId id="278" r:id="rId7"/>
-    <p:sldId id="280" r:id="rId8"/>
-    <p:sldId id="279" r:id="rId9"/>
-    <p:sldId id="275" r:id="rId10"/>
+    <p:sldId id="281" r:id="rId7"/>
+    <p:sldId id="278" r:id="rId8"/>
+    <p:sldId id="280" r:id="rId9"/>
+    <p:sldId id="279" r:id="rId10"/>
+    <p:sldId id="275" r:id="rId11"/>
   </p:sldIdLst>
   <p:sldSz cx="9144000" cy="5143500" type="screen16x9"/>
   <p:notesSz cx="6858000" cy="9144000"/>
@@ -206,7 +207,7 @@
           <a:p>
             <a:fld id="{583FCA0D-5591-4BBE-99D9-278F61168510}" type="datetimeFigureOut">
               <a:rPr lang="en-US" smtClean="0"/>
-              <a:t>10/8/2011</a:t>
+              <a:t>10/9/2011</a:t>
             </a:fld>
             <a:endParaRPr lang="en-US"/>
           </a:p>
@@ -539,7 +540,7 @@
           <a:p>
             <a:fld id="{B6E413A8-4792-4059-B428-E32CB4710052}" type="slidenum">
               <a:rPr lang="en-US" smtClean="0"/>
-              <a:t>6</a:t>
+              <a:t>7</a:t>
             </a:fld>
             <a:endParaRPr lang="en-US"/>
           </a:p>
@@ -868,7 +869,7 @@
           <a:p>
             <a:fld id="{2E16D3F5-7A2C-4A23-896D-2AF7EDFD4A28}" type="datetimeFigureOut">
               <a:rPr lang="en-US" smtClean="0"/>
-              <a:t>10/8/2011</a:t>
+              <a:t>10/9/2011</a:t>
             </a:fld>
             <a:endParaRPr lang="en-US"/>
           </a:p>
@@ -3479,7 +3480,7 @@
           <a:p>
             <a:fld id="{2E16D3F5-7A2C-4A23-896D-2AF7EDFD4A28}" type="datetimeFigureOut">
               <a:rPr lang="en-US" smtClean="0"/>
-              <a:t>10/8/2011</a:t>
+              <a:t>10/9/2011</a:t>
             </a:fld>
             <a:endParaRPr lang="en-US"/>
           </a:p>
@@ -9396,7 +9397,7 @@
           <a:p>
             <a:fld id="{2E16D3F5-7A2C-4A23-896D-2AF7EDFD4A28}" type="datetimeFigureOut">
               <a:rPr lang="en-US" smtClean="0"/>
-              <a:t>10/8/2011</a:t>
+              <a:t>10/9/2011</a:t>
             </a:fld>
             <a:endParaRPr lang="en-US"/>
           </a:p>
@@ -12842,6 +12843,13 @@
     <a:masterClrMapping/>
   </p:clrMapOvr>
   <p:transition spd="slow"/>
+  <p:timing>
+    <p:tnLst>
+      <p:par>
+        <p:cTn id="1" dur="indefinite" restart="never" nodeType="tmRoot"/>
+      </p:par>
+    </p:tnLst>
+  </p:timing>
 </p:sld>
 </file>
 
@@ -12872,154 +12880,1752 @@
             <p:ph type="title"/>
           </p:nvPr>
         </p:nvSpPr>
-        <p:spPr/>
-        <p:txBody>
-          <a:bodyPr/>
-          <a:lstStyle/>
-          <a:p>
-            <a:r>
-              <a:rPr lang="en-US" b="1" dirty="0"/>
-              <a:t>Classification Techniques</a:t>
-            </a:r>
-            <a:endParaRPr lang="en-US" dirty="0"/>
-          </a:p>
-        </p:txBody>
-      </p:sp>
-      <p:sp>
-        <p:nvSpPr>
-          <p:cNvPr id="3" name="Content Placeholder 2"/>
-          <p:cNvSpPr>
-            <a:spLocks noGrp="1"/>
-          </p:cNvSpPr>
-          <p:nvPr>
-            <p:ph idx="1"/>
-          </p:nvPr>
-        </p:nvSpPr>
-        <p:spPr/>
+        <p:spPr>
+          <a:xfrm>
+            <a:off x="406800" y="-37800"/>
+            <a:ext cx="7365600" cy="857250"/>
+          </a:xfrm>
+        </p:spPr>
         <p:txBody>
           <a:bodyPr>
-            <a:normAutofit/>
+            <a:normAutofit fontScale="90000"/>
           </a:bodyPr>
           <a:lstStyle/>
           <a:p>
             <a:r>
-              <a:rPr lang="en-US" sz="2400" b="1" dirty="0" smtClean="0">
-                <a:solidFill>
-                  <a:srgbClr val="002060"/>
-                </a:solidFill>
-              </a:rPr>
-              <a:t>Decision </a:t>
-            </a:r>
-            <a:r>
-              <a:rPr lang="en-US" sz="2400" b="1" dirty="0">
-                <a:solidFill>
-                  <a:srgbClr val="002060"/>
-                </a:solidFill>
-              </a:rPr>
-              <a:t>Tree based Methods</a:t>
-            </a:r>
-          </a:p>
-          <a:p>
-            <a:r>
-              <a:rPr lang="en-US" sz="2400" dirty="0" smtClean="0">
-                <a:solidFill>
-                  <a:schemeClr val="tx1"/>
-                </a:solidFill>
-              </a:rPr>
-              <a:t>Rule-based </a:t>
-            </a:r>
-            <a:r>
-              <a:rPr lang="en-US" sz="2400" dirty="0">
-                <a:solidFill>
-                  <a:schemeClr val="tx1"/>
-                </a:solidFill>
-              </a:rPr>
-              <a:t>Methods</a:t>
-            </a:r>
-          </a:p>
-          <a:p>
-            <a:r>
-              <a:rPr lang="en-US" sz="2400" dirty="0" smtClean="0">
-                <a:solidFill>
-                  <a:schemeClr val="tx1"/>
-                </a:solidFill>
-              </a:rPr>
-              <a:t>Memory </a:t>
-            </a:r>
-            <a:r>
-              <a:rPr lang="en-US" sz="2400" dirty="0">
-                <a:solidFill>
-                  <a:schemeClr val="tx1"/>
-                </a:solidFill>
-              </a:rPr>
-              <a:t>based reasoning</a:t>
-            </a:r>
-          </a:p>
-          <a:p>
-            <a:r>
-              <a:rPr lang="en-US" sz="2400" dirty="0" smtClean="0">
-                <a:solidFill>
-                  <a:schemeClr val="tx1"/>
-                </a:solidFill>
-              </a:rPr>
-              <a:t>Neural </a:t>
-            </a:r>
-            <a:r>
-              <a:rPr lang="en-US" sz="2400" dirty="0">
-                <a:solidFill>
-                  <a:schemeClr val="tx1"/>
-                </a:solidFill>
-              </a:rPr>
-              <a:t>Networks</a:t>
-            </a:r>
-          </a:p>
-          <a:p>
-            <a:r>
-              <a:rPr lang="en-US" sz="2400" dirty="0" smtClean="0">
-                <a:solidFill>
-                  <a:schemeClr val="tx1"/>
-                </a:solidFill>
-              </a:rPr>
-              <a:t>Naïve </a:t>
-            </a:r>
-            <a:r>
-              <a:rPr lang="en-US" sz="2400" dirty="0">
-                <a:solidFill>
-                  <a:schemeClr val="tx1"/>
-                </a:solidFill>
-              </a:rPr>
-              <a:t>Bayes and Bayesian Belief Networks</a:t>
-            </a:r>
-          </a:p>
-          <a:p>
-            <a:r>
-              <a:rPr lang="en-US" sz="2400" dirty="0" smtClean="0">
-                <a:solidFill>
-                  <a:schemeClr val="tx1"/>
-                </a:solidFill>
-              </a:rPr>
-              <a:t>Support </a:t>
-            </a:r>
-            <a:r>
-              <a:rPr lang="en-US" sz="2400" dirty="0">
-                <a:solidFill>
-                  <a:schemeClr val="tx1"/>
-                </a:solidFill>
-              </a:rPr>
-              <a:t>Vector Machines</a:t>
-            </a:r>
-            <a:endParaRPr lang="en-US" sz="2400" dirty="0">
-              <a:solidFill>
-                <a:schemeClr val="tx1"/>
-              </a:solidFill>
-            </a:endParaRPr>
-          </a:p>
-        </p:txBody>
-      </p:sp>
+              <a:rPr lang="en-US" dirty="0" smtClean="0"/>
+              <a:t>Evaluate the performance of a classification model</a:t>
+            </a:r>
+            <a:endParaRPr lang="en-US" dirty="0"/>
+          </a:p>
+        </p:txBody>
+      </p:sp>
+      <mc:AlternateContent xmlns:mc="http://schemas.openxmlformats.org/markup-compatibility/2006">
+        <mc:Choice xmlns:a14="http://schemas.microsoft.com/office/drawing/2010/main" Requires="a14">
+          <p:sp>
+            <p:nvSpPr>
+              <p:cNvPr id="3" name="Content Placeholder 2"/>
+              <p:cNvSpPr>
+                <a:spLocks noGrp="1"/>
+              </p:cNvSpPr>
+              <p:nvPr>
+                <p:ph idx="1"/>
+              </p:nvPr>
+            </p:nvSpPr>
+            <p:spPr>
+              <a:xfrm>
+                <a:off x="457200" y="742950"/>
+                <a:ext cx="8458200" cy="4267200"/>
+              </a:xfrm>
+            </p:spPr>
+            <p:txBody>
+              <a:bodyPr>
+                <a:normAutofit lnSpcReduction="10000"/>
+              </a:bodyPr>
+              <a:lstStyle/>
+              <a:p>
+                <a:r>
+                  <a:rPr lang="en-US" sz="1600" dirty="0" smtClean="0"/>
+                  <a:t>Evaluation of the performance of a classification model is </a:t>
+                </a:r>
+                <a:r>
+                  <a:rPr lang="en-US" sz="1600" u="sng" dirty="0" smtClean="0"/>
+                  <a:t>based on </a:t>
+                </a:r>
+                <a:r>
+                  <a:rPr lang="en-US" sz="1600" dirty="0" smtClean="0"/>
+                  <a:t>the </a:t>
+                </a:r>
+                <a:r>
+                  <a:rPr lang="en-US" sz="1600" u="sng" dirty="0" smtClean="0"/>
+                  <a:t>counts</a:t>
+                </a:r>
+                <a:r>
+                  <a:rPr lang="en-US" sz="1600" dirty="0" smtClean="0"/>
+                  <a:t> of </a:t>
+                </a:r>
+                <a:r>
+                  <a:rPr lang="en-US" sz="1600" u="sng" dirty="0" smtClean="0"/>
+                  <a:t>test records </a:t>
+                </a:r>
+                <a:r>
+                  <a:rPr lang="en-US" sz="1600" u="sng" dirty="0" smtClean="0">
+                    <a:solidFill>
+                      <a:srgbClr val="002060"/>
+                    </a:solidFill>
+                  </a:rPr>
+                  <a:t>correctly</a:t>
+                </a:r>
+                <a:r>
+                  <a:rPr lang="en-US" sz="1600" u="sng" dirty="0" smtClean="0"/>
+                  <a:t> </a:t>
+                </a:r>
+                <a:r>
+                  <a:rPr lang="en-US" sz="1600" dirty="0" smtClean="0"/>
+                  <a:t>and </a:t>
+                </a:r>
+                <a:r>
+                  <a:rPr lang="en-US" sz="1600" u="sng" dirty="0" smtClean="0">
+                    <a:solidFill>
+                      <a:srgbClr val="002060"/>
+                    </a:solidFill>
+                  </a:rPr>
+                  <a:t>incorrectly predicted </a:t>
+                </a:r>
+                <a:r>
+                  <a:rPr lang="en-US" sz="1600" dirty="0" smtClean="0"/>
+                  <a:t>by the model</a:t>
+                </a:r>
+                <a:r>
+                  <a:rPr lang="en-US" sz="1600" dirty="0" smtClean="0"/>
+                  <a:t>.</a:t>
+                </a:r>
+              </a:p>
+              <a:p>
+                <a:endParaRPr lang="en-US" sz="1800" dirty="0"/>
+              </a:p>
+              <a:p>
+                <a:endParaRPr lang="en-US" sz="1800" dirty="0" smtClean="0"/>
+              </a:p>
+              <a:p>
+                <a:endParaRPr lang="en-US" sz="1800" dirty="0"/>
+              </a:p>
+              <a:p>
+                <a:endParaRPr lang="en-US" sz="1800" dirty="0" smtClean="0"/>
+              </a:p>
+              <a:p>
+                <a:endParaRPr lang="en-US" sz="1800" dirty="0"/>
+              </a:p>
+              <a:p>
+                <a:pPr marL="0" indent="0" algn="ctr">
+                  <a:buNone/>
+                </a:pPr>
+                <a:r>
+                  <a:rPr lang="en-US" sz="1400" dirty="0" smtClean="0"/>
+                  <a:t>Confusion matrix for a 2-class problem</a:t>
+                </a:r>
+                <a:endParaRPr lang="en-US" sz="1400" dirty="0" smtClean="0"/>
+              </a:p>
+              <a:p>
+                <a:pPr>
+                  <a:lnSpc>
+                    <a:spcPct val="120000"/>
+                  </a:lnSpc>
+                </a:pPr>
+                <a:r>
+                  <a:rPr lang="en-US" sz="1600" dirty="0" smtClean="0"/>
+                  <a:t>Accuracy = </a:t>
+                </a:r>
+                <a14:m>
+                  <m:oMath xmlns:m="http://schemas.openxmlformats.org/officeDocument/2006/math">
+                    <m:f>
+                      <m:fPr>
+                        <m:ctrlPr>
+                          <a:rPr lang="en-US" sz="1600" i="1" smtClean="0">
+                            <a:latin typeface="Cambria Math"/>
+                          </a:rPr>
+                        </m:ctrlPr>
+                      </m:fPr>
+                      <m:num>
+                        <m:r>
+                          <m:rPr>
+                            <m:nor/>
+                          </m:rPr>
+                          <a:rPr lang="en-US" sz="1600" b="0" i="0" smtClean="0">
+                            <a:latin typeface="Cambria Math"/>
+                          </a:rPr>
+                          <m:t>Number</m:t>
+                        </m:r>
+                        <m:r>
+                          <a:rPr lang="en-US" sz="1600" b="0" i="1" smtClean="0">
+                            <a:latin typeface="Cambria Math"/>
+                          </a:rPr>
+                          <m:t> </m:t>
+                        </m:r>
+                        <m:r>
+                          <m:rPr>
+                            <m:nor/>
+                          </m:rPr>
+                          <a:rPr lang="en-US" sz="1600" b="0" i="0" smtClean="0">
+                            <a:latin typeface="Cambria Math"/>
+                          </a:rPr>
+                          <m:t>of</m:t>
+                        </m:r>
+                        <m:r>
+                          <m:rPr>
+                            <m:nor/>
+                          </m:rPr>
+                          <a:rPr lang="en-US" sz="1600" b="0" i="0" smtClean="0">
+                            <a:latin typeface="Cambria Math"/>
+                          </a:rPr>
+                          <m:t> </m:t>
+                        </m:r>
+                        <m:r>
+                          <m:rPr>
+                            <m:nor/>
+                          </m:rPr>
+                          <a:rPr lang="en-US" sz="1600" b="0" i="0" smtClean="0">
+                            <a:latin typeface="Cambria Math"/>
+                          </a:rPr>
+                          <m:t>correct</m:t>
+                        </m:r>
+                        <m:r>
+                          <m:rPr>
+                            <m:nor/>
+                          </m:rPr>
+                          <a:rPr lang="en-US" sz="1600" b="0" i="0" smtClean="0">
+                            <a:latin typeface="Cambria Math"/>
+                          </a:rPr>
+                          <m:t> </m:t>
+                        </m:r>
+                        <m:r>
+                          <m:rPr>
+                            <m:nor/>
+                          </m:rPr>
+                          <a:rPr lang="en-US" sz="1600" b="0" i="0" smtClean="0">
+                            <a:latin typeface="Cambria Math"/>
+                          </a:rPr>
+                          <m:t>predictions</m:t>
+                        </m:r>
+                      </m:num>
+                      <m:den>
+                        <m:r>
+                          <m:rPr>
+                            <m:nor/>
+                          </m:rPr>
+                          <a:rPr lang="en-US" sz="1600" b="0" i="0" smtClean="0">
+                            <a:latin typeface="Cambria Math"/>
+                          </a:rPr>
+                          <m:t>Total</m:t>
+                        </m:r>
+                        <m:r>
+                          <m:rPr>
+                            <m:nor/>
+                          </m:rPr>
+                          <a:rPr lang="en-US" sz="1600" b="0" i="0" smtClean="0">
+                            <a:latin typeface="Cambria Math"/>
+                          </a:rPr>
+                          <m:t> </m:t>
+                        </m:r>
+                        <m:r>
+                          <m:rPr>
+                            <m:nor/>
+                          </m:rPr>
+                          <a:rPr lang="en-US" sz="1600" b="0" i="0" smtClean="0">
+                            <a:latin typeface="Cambria Math"/>
+                          </a:rPr>
+                          <m:t>number</m:t>
+                        </m:r>
+                        <m:r>
+                          <m:rPr>
+                            <m:nor/>
+                          </m:rPr>
+                          <a:rPr lang="en-US" sz="1600" b="0" i="0" smtClean="0">
+                            <a:latin typeface="Cambria Math"/>
+                          </a:rPr>
+                          <m:t> </m:t>
+                        </m:r>
+                        <m:r>
+                          <m:rPr>
+                            <m:nor/>
+                          </m:rPr>
+                          <a:rPr lang="en-US" sz="1600" b="0" i="0" smtClean="0">
+                            <a:latin typeface="Cambria Math"/>
+                          </a:rPr>
+                          <m:t>of</m:t>
+                        </m:r>
+                        <m:r>
+                          <m:rPr>
+                            <m:nor/>
+                          </m:rPr>
+                          <a:rPr lang="en-US" sz="1600" b="0" i="0" smtClean="0">
+                            <a:latin typeface="Cambria Math"/>
+                          </a:rPr>
+                          <m:t> </m:t>
+                        </m:r>
+                        <m:r>
+                          <m:rPr>
+                            <m:nor/>
+                          </m:rPr>
+                          <a:rPr lang="en-US" sz="1600" b="0" i="0" smtClean="0">
+                            <a:latin typeface="Cambria Math"/>
+                          </a:rPr>
+                          <m:t>predictions</m:t>
+                        </m:r>
+                      </m:den>
+                    </m:f>
+                  </m:oMath>
+                </a14:m>
+                <a:r>
+                  <a:rPr lang="en-US" sz="1600" dirty="0" smtClean="0"/>
+                  <a:t> = </a:t>
+                </a:r>
+                <a14:m>
+                  <m:oMath xmlns:m="http://schemas.openxmlformats.org/officeDocument/2006/math">
+                    <m:f>
+                      <m:fPr>
+                        <m:ctrlPr>
+                          <a:rPr lang="en-US" sz="1800" i="1" smtClean="0">
+                            <a:latin typeface="Cambria Math" pitchFamily="18" charset="0"/>
+                            <a:ea typeface="Cambria Math" pitchFamily="18" charset="0"/>
+                          </a:rPr>
+                        </m:ctrlPr>
+                      </m:fPr>
+                      <m:num>
+                        <m:sSub>
+                          <m:sSubPr>
+                            <m:ctrlPr>
+                              <a:rPr lang="pt-BR" sz="1800" i="1">
+                                <a:latin typeface="Cambria Math" pitchFamily="18" charset="0"/>
+                                <a:ea typeface="Cambria Math" pitchFamily="18" charset="0"/>
+                              </a:rPr>
+                            </m:ctrlPr>
+                          </m:sSubPr>
+                          <m:e>
+                            <m:r>
+                              <a:rPr lang="en-US" sz="1800" i="1">
+                                <a:latin typeface="Cambria Math" pitchFamily="18" charset="0"/>
+                                <a:ea typeface="Cambria Math" pitchFamily="18" charset="0"/>
+                              </a:rPr>
+                              <m:t>𝑓</m:t>
+                            </m:r>
+                          </m:e>
+                          <m:sub>
+                            <m:r>
+                              <a:rPr lang="en-US" sz="1800" i="1">
+                                <a:latin typeface="Cambria Math" pitchFamily="18" charset="0"/>
+                                <a:ea typeface="Cambria Math" pitchFamily="18" charset="0"/>
+                              </a:rPr>
+                              <m:t>11</m:t>
+                            </m:r>
+                          </m:sub>
+                        </m:sSub>
+                        <m:r>
+                          <a:rPr lang="en-US" sz="1800" b="0" i="1" smtClean="0">
+                            <a:latin typeface="Cambria Math" pitchFamily="18" charset="0"/>
+                            <a:ea typeface="Cambria Math" pitchFamily="18" charset="0"/>
+                          </a:rPr>
+                          <m:t>+</m:t>
+                        </m:r>
+                        <m:sSub>
+                          <m:sSubPr>
+                            <m:ctrlPr>
+                              <a:rPr lang="pt-BR" sz="1800" i="1">
+                                <a:latin typeface="Cambria Math" pitchFamily="18" charset="0"/>
+                                <a:ea typeface="Cambria Math" pitchFamily="18" charset="0"/>
+                              </a:rPr>
+                            </m:ctrlPr>
+                          </m:sSubPr>
+                          <m:e>
+                            <m:r>
+                              <a:rPr lang="en-US" sz="1800" i="1">
+                                <a:latin typeface="Cambria Math" pitchFamily="18" charset="0"/>
+                                <a:ea typeface="Cambria Math" pitchFamily="18" charset="0"/>
+                              </a:rPr>
+                              <m:t>𝑓</m:t>
+                            </m:r>
+                          </m:e>
+                          <m:sub>
+                            <m:r>
+                              <a:rPr lang="en-US" sz="1800" b="0" i="1" smtClean="0">
+                                <a:latin typeface="Cambria Math" pitchFamily="18" charset="0"/>
+                                <a:ea typeface="Cambria Math" pitchFamily="18" charset="0"/>
+                              </a:rPr>
+                              <m:t>00</m:t>
+                            </m:r>
+                          </m:sub>
+                        </m:sSub>
+                      </m:num>
+                      <m:den>
+                        <m:sSub>
+                          <m:sSubPr>
+                            <m:ctrlPr>
+                              <a:rPr lang="pt-BR" sz="1800" i="1">
+                                <a:latin typeface="Cambria Math" pitchFamily="18" charset="0"/>
+                                <a:ea typeface="Cambria Math" pitchFamily="18" charset="0"/>
+                              </a:rPr>
+                            </m:ctrlPr>
+                          </m:sSubPr>
+                          <m:e>
+                            <m:r>
+                              <a:rPr lang="en-US" sz="1800" i="1">
+                                <a:latin typeface="Cambria Math" pitchFamily="18" charset="0"/>
+                                <a:ea typeface="Cambria Math" pitchFamily="18" charset="0"/>
+                              </a:rPr>
+                              <m:t>𝑓</m:t>
+                            </m:r>
+                          </m:e>
+                          <m:sub>
+                            <m:r>
+                              <a:rPr lang="en-US" sz="1800" i="1">
+                                <a:latin typeface="Cambria Math" pitchFamily="18" charset="0"/>
+                                <a:ea typeface="Cambria Math" pitchFamily="18" charset="0"/>
+                              </a:rPr>
+                              <m:t>11</m:t>
+                            </m:r>
+                          </m:sub>
+                        </m:sSub>
+                        <m:r>
+                          <a:rPr lang="en-US" sz="1800" b="0" i="1" smtClean="0">
+                            <a:latin typeface="Cambria Math" pitchFamily="18" charset="0"/>
+                            <a:ea typeface="Cambria Math" pitchFamily="18" charset="0"/>
+                          </a:rPr>
+                          <m:t>+</m:t>
+                        </m:r>
+                        <m:sSub>
+                          <m:sSubPr>
+                            <m:ctrlPr>
+                              <a:rPr lang="pt-BR" sz="1800" i="1">
+                                <a:latin typeface="Cambria Math" pitchFamily="18" charset="0"/>
+                                <a:ea typeface="Cambria Math" pitchFamily="18" charset="0"/>
+                              </a:rPr>
+                            </m:ctrlPr>
+                          </m:sSubPr>
+                          <m:e>
+                            <m:r>
+                              <a:rPr lang="en-US" sz="1800" b="0" i="1" smtClean="0">
+                                <a:latin typeface="Cambria Math" pitchFamily="18" charset="0"/>
+                                <a:ea typeface="Cambria Math" pitchFamily="18" charset="0"/>
+                              </a:rPr>
+                              <m:t> </m:t>
+                            </m:r>
+                            <m:r>
+                              <a:rPr lang="en-US" sz="1800" i="1">
+                                <a:latin typeface="Cambria Math" pitchFamily="18" charset="0"/>
+                                <a:ea typeface="Cambria Math" pitchFamily="18" charset="0"/>
+                              </a:rPr>
+                              <m:t>𝑓</m:t>
+                            </m:r>
+                          </m:e>
+                          <m:sub>
+                            <m:r>
+                              <a:rPr lang="en-US" sz="1800" i="1">
+                                <a:latin typeface="Cambria Math" pitchFamily="18" charset="0"/>
+                                <a:ea typeface="Cambria Math" pitchFamily="18" charset="0"/>
+                              </a:rPr>
+                              <m:t>1</m:t>
+                            </m:r>
+                            <m:r>
+                              <a:rPr lang="en-US" sz="1800" b="0" i="1" smtClean="0">
+                                <a:latin typeface="Cambria Math" pitchFamily="18" charset="0"/>
+                                <a:ea typeface="Cambria Math" pitchFamily="18" charset="0"/>
+                              </a:rPr>
+                              <m:t>0</m:t>
+                            </m:r>
+                          </m:sub>
+                        </m:sSub>
+                        <m:r>
+                          <a:rPr lang="en-US" sz="1800" b="0" i="1" smtClean="0">
+                            <a:latin typeface="Cambria Math" pitchFamily="18" charset="0"/>
+                            <a:ea typeface="Cambria Math" pitchFamily="18" charset="0"/>
+                          </a:rPr>
+                          <m:t>+ </m:t>
+                        </m:r>
+                        <m:sSub>
+                          <m:sSubPr>
+                            <m:ctrlPr>
+                              <a:rPr lang="pt-BR" sz="1800" i="1">
+                                <a:latin typeface="Cambria Math" pitchFamily="18" charset="0"/>
+                                <a:ea typeface="Cambria Math" pitchFamily="18" charset="0"/>
+                              </a:rPr>
+                            </m:ctrlPr>
+                          </m:sSubPr>
+                          <m:e>
+                            <m:r>
+                              <a:rPr lang="en-US" sz="1800" i="1">
+                                <a:latin typeface="Cambria Math" pitchFamily="18" charset="0"/>
+                                <a:ea typeface="Cambria Math" pitchFamily="18" charset="0"/>
+                              </a:rPr>
+                              <m:t>𝑓</m:t>
+                            </m:r>
+                          </m:e>
+                          <m:sub>
+                            <m:r>
+                              <a:rPr lang="en-US" sz="1800" b="0" i="1" smtClean="0">
+                                <a:latin typeface="Cambria Math" pitchFamily="18" charset="0"/>
+                                <a:ea typeface="Cambria Math" pitchFamily="18" charset="0"/>
+                              </a:rPr>
+                              <m:t>0</m:t>
+                            </m:r>
+                            <m:r>
+                              <a:rPr lang="en-US" sz="1800" i="1">
+                                <a:latin typeface="Cambria Math" pitchFamily="18" charset="0"/>
+                                <a:ea typeface="Cambria Math" pitchFamily="18" charset="0"/>
+                              </a:rPr>
+                              <m:t>1</m:t>
+                            </m:r>
+                          </m:sub>
+                        </m:sSub>
+                        <m:r>
+                          <a:rPr lang="en-US" sz="1800" b="0" i="1" smtClean="0">
+                            <a:latin typeface="Cambria Math" pitchFamily="18" charset="0"/>
+                            <a:ea typeface="Cambria Math" pitchFamily="18" charset="0"/>
+                          </a:rPr>
+                          <m:t>+</m:t>
+                        </m:r>
+                        <m:sSub>
+                          <m:sSubPr>
+                            <m:ctrlPr>
+                              <a:rPr lang="pt-BR" sz="1800" i="1">
+                                <a:latin typeface="Cambria Math" pitchFamily="18" charset="0"/>
+                                <a:ea typeface="Cambria Math" pitchFamily="18" charset="0"/>
+                              </a:rPr>
+                            </m:ctrlPr>
+                          </m:sSubPr>
+                          <m:e>
+                            <m:r>
+                              <a:rPr lang="en-US" sz="1800" i="1">
+                                <a:latin typeface="Cambria Math" pitchFamily="18" charset="0"/>
+                                <a:ea typeface="Cambria Math" pitchFamily="18" charset="0"/>
+                              </a:rPr>
+                              <m:t>𝑓</m:t>
+                            </m:r>
+                          </m:e>
+                          <m:sub>
+                            <m:r>
+                              <a:rPr lang="en-US" sz="1800" b="0" i="1" smtClean="0">
+                                <a:latin typeface="Cambria Math" pitchFamily="18" charset="0"/>
+                                <a:ea typeface="Cambria Math" pitchFamily="18" charset="0"/>
+                              </a:rPr>
+                              <m:t>00</m:t>
+                            </m:r>
+                          </m:sub>
+                        </m:sSub>
+                      </m:den>
+                    </m:f>
+                  </m:oMath>
+                </a14:m>
+                <a:endParaRPr lang="en-US" sz="1800" dirty="0" smtClean="0">
+                  <a:latin typeface="Cambria Math" pitchFamily="18" charset="0"/>
+                  <a:ea typeface="Cambria Math" pitchFamily="18" charset="0"/>
+                </a:endParaRPr>
+              </a:p>
+              <a:p>
+                <a:pPr>
+                  <a:lnSpc>
+                    <a:spcPct val="120000"/>
+                  </a:lnSpc>
+                </a:pPr>
+                <a:r>
+                  <a:rPr lang="en-US" sz="1600" dirty="0" smtClean="0"/>
+                  <a:t>Error rate = </a:t>
+                </a:r>
+                <a14:m>
+                  <m:oMath xmlns:m="http://schemas.openxmlformats.org/officeDocument/2006/math">
+                    <m:f>
+                      <m:fPr>
+                        <m:ctrlPr>
+                          <a:rPr lang="en-US" sz="1600" i="1">
+                            <a:latin typeface="Cambria Math"/>
+                          </a:rPr>
+                        </m:ctrlPr>
+                      </m:fPr>
+                      <m:num>
+                        <m:r>
+                          <m:rPr>
+                            <m:nor/>
+                          </m:rPr>
+                          <a:rPr lang="en-US" sz="1600">
+                            <a:latin typeface="Cambria Math"/>
+                          </a:rPr>
+                          <m:t>Number</m:t>
+                        </m:r>
+                        <m:r>
+                          <a:rPr lang="en-US" sz="1600" i="1">
+                            <a:latin typeface="Cambria Math"/>
+                          </a:rPr>
+                          <m:t> </m:t>
+                        </m:r>
+                        <m:r>
+                          <m:rPr>
+                            <m:nor/>
+                          </m:rPr>
+                          <a:rPr lang="en-US" sz="1600">
+                            <a:latin typeface="Cambria Math"/>
+                          </a:rPr>
+                          <m:t>of</m:t>
+                        </m:r>
+                        <m:r>
+                          <m:rPr>
+                            <m:nor/>
+                          </m:rPr>
+                          <a:rPr lang="en-US" sz="1600">
+                            <a:latin typeface="Cambria Math"/>
+                          </a:rPr>
+                          <m:t> </m:t>
+                        </m:r>
+                        <m:r>
+                          <m:rPr>
+                            <m:nor/>
+                          </m:rPr>
+                          <a:rPr lang="en-US" sz="1600" b="0" i="0" smtClean="0">
+                            <a:latin typeface="Cambria Math"/>
+                          </a:rPr>
+                          <m:t>wrong</m:t>
+                        </m:r>
+                        <m:r>
+                          <m:rPr>
+                            <m:nor/>
+                          </m:rPr>
+                          <a:rPr lang="en-US" sz="1600" b="0" i="0" smtClean="0">
+                            <a:latin typeface="Cambria Math"/>
+                          </a:rPr>
+                          <m:t> </m:t>
+                        </m:r>
+                        <m:r>
+                          <m:rPr>
+                            <m:nor/>
+                          </m:rPr>
+                          <a:rPr lang="en-US" sz="1600">
+                            <a:latin typeface="Cambria Math"/>
+                          </a:rPr>
+                          <m:t>predictions</m:t>
+                        </m:r>
+                      </m:num>
+                      <m:den>
+                        <m:r>
+                          <m:rPr>
+                            <m:nor/>
+                          </m:rPr>
+                          <a:rPr lang="en-US" sz="1600">
+                            <a:latin typeface="Cambria Math"/>
+                          </a:rPr>
+                          <m:t>Total</m:t>
+                        </m:r>
+                        <m:r>
+                          <m:rPr>
+                            <m:nor/>
+                          </m:rPr>
+                          <a:rPr lang="en-US" sz="1600">
+                            <a:latin typeface="Cambria Math"/>
+                          </a:rPr>
+                          <m:t> </m:t>
+                        </m:r>
+                        <m:r>
+                          <m:rPr>
+                            <m:nor/>
+                          </m:rPr>
+                          <a:rPr lang="en-US" sz="1600">
+                            <a:latin typeface="Cambria Math"/>
+                          </a:rPr>
+                          <m:t>number</m:t>
+                        </m:r>
+                        <m:r>
+                          <m:rPr>
+                            <m:nor/>
+                          </m:rPr>
+                          <a:rPr lang="en-US" sz="1600">
+                            <a:latin typeface="Cambria Math"/>
+                          </a:rPr>
+                          <m:t> </m:t>
+                        </m:r>
+                        <m:r>
+                          <m:rPr>
+                            <m:nor/>
+                          </m:rPr>
+                          <a:rPr lang="en-US" sz="1600">
+                            <a:latin typeface="Cambria Math"/>
+                          </a:rPr>
+                          <m:t>of</m:t>
+                        </m:r>
+                        <m:r>
+                          <m:rPr>
+                            <m:nor/>
+                          </m:rPr>
+                          <a:rPr lang="en-US" sz="1600">
+                            <a:latin typeface="Cambria Math"/>
+                          </a:rPr>
+                          <m:t> </m:t>
+                        </m:r>
+                        <m:r>
+                          <m:rPr>
+                            <m:nor/>
+                          </m:rPr>
+                          <a:rPr lang="en-US" sz="1600">
+                            <a:latin typeface="Cambria Math"/>
+                          </a:rPr>
+                          <m:t>predictions</m:t>
+                        </m:r>
+                      </m:den>
+                    </m:f>
+                  </m:oMath>
+                </a14:m>
+                <a:r>
+                  <a:rPr lang="en-US" sz="1600" dirty="0"/>
+                  <a:t> = </a:t>
+                </a:r>
+                <a14:m>
+                  <m:oMath xmlns:m="http://schemas.openxmlformats.org/officeDocument/2006/math">
+                    <m:f>
+                      <m:fPr>
+                        <m:ctrlPr>
+                          <a:rPr lang="en-US" sz="1800" i="1">
+                            <a:latin typeface="Cambria Math"/>
+                            <a:ea typeface="Cambria Math" pitchFamily="18" charset="0"/>
+                          </a:rPr>
+                        </m:ctrlPr>
+                      </m:fPr>
+                      <m:num>
+                        <m:sSub>
+                          <m:sSubPr>
+                            <m:ctrlPr>
+                              <a:rPr lang="pt-BR" sz="1800" i="1">
+                                <a:latin typeface="Cambria Math"/>
+                                <a:ea typeface="Cambria Math" pitchFamily="18" charset="0"/>
+                              </a:rPr>
+                            </m:ctrlPr>
+                          </m:sSubPr>
+                          <m:e>
+                            <m:r>
+                              <a:rPr lang="en-US" sz="1800" i="1">
+                                <a:latin typeface="Cambria Math" pitchFamily="18" charset="0"/>
+                                <a:ea typeface="Cambria Math" pitchFamily="18" charset="0"/>
+                              </a:rPr>
+                              <m:t>𝑓</m:t>
+                            </m:r>
+                          </m:e>
+                          <m:sub>
+                            <m:r>
+                              <a:rPr lang="en-US" sz="1800" b="0" i="1" smtClean="0">
+                                <a:latin typeface="Cambria Math"/>
+                                <a:ea typeface="Cambria Math" pitchFamily="18" charset="0"/>
+                              </a:rPr>
+                              <m:t>10</m:t>
+                            </m:r>
+                          </m:sub>
+                        </m:sSub>
+                        <m:r>
+                          <a:rPr lang="en-US" sz="1800" i="1">
+                            <a:latin typeface="Cambria Math" pitchFamily="18" charset="0"/>
+                            <a:ea typeface="Cambria Math" pitchFamily="18" charset="0"/>
+                          </a:rPr>
+                          <m:t>+</m:t>
+                        </m:r>
+                        <m:sSub>
+                          <m:sSubPr>
+                            <m:ctrlPr>
+                              <a:rPr lang="pt-BR" sz="1800" i="1">
+                                <a:latin typeface="Cambria Math"/>
+                                <a:ea typeface="Cambria Math" pitchFamily="18" charset="0"/>
+                              </a:rPr>
+                            </m:ctrlPr>
+                          </m:sSubPr>
+                          <m:e>
+                            <m:r>
+                              <a:rPr lang="en-US" sz="1800" i="1">
+                                <a:latin typeface="Cambria Math" pitchFamily="18" charset="0"/>
+                                <a:ea typeface="Cambria Math" pitchFamily="18" charset="0"/>
+                              </a:rPr>
+                              <m:t>𝑓</m:t>
+                            </m:r>
+                          </m:e>
+                          <m:sub>
+                            <m:r>
+                              <a:rPr lang="en-US" sz="1800" i="1">
+                                <a:latin typeface="Cambria Math" pitchFamily="18" charset="0"/>
+                                <a:ea typeface="Cambria Math" pitchFamily="18" charset="0"/>
+                              </a:rPr>
+                              <m:t>0</m:t>
+                            </m:r>
+                            <m:r>
+                              <a:rPr lang="en-US" sz="1800" b="0" i="1" smtClean="0">
+                                <a:latin typeface="Cambria Math"/>
+                                <a:ea typeface="Cambria Math" pitchFamily="18" charset="0"/>
+                              </a:rPr>
+                              <m:t>1</m:t>
+                            </m:r>
+                          </m:sub>
+                        </m:sSub>
+                      </m:num>
+                      <m:den>
+                        <m:sSub>
+                          <m:sSubPr>
+                            <m:ctrlPr>
+                              <a:rPr lang="pt-BR" sz="1800" i="1">
+                                <a:latin typeface="Cambria Math"/>
+                                <a:ea typeface="Cambria Math" pitchFamily="18" charset="0"/>
+                              </a:rPr>
+                            </m:ctrlPr>
+                          </m:sSubPr>
+                          <m:e>
+                            <m:r>
+                              <a:rPr lang="en-US" sz="1800" i="1">
+                                <a:latin typeface="Cambria Math" pitchFamily="18" charset="0"/>
+                                <a:ea typeface="Cambria Math" pitchFamily="18" charset="0"/>
+                              </a:rPr>
+                              <m:t>𝑓</m:t>
+                            </m:r>
+                          </m:e>
+                          <m:sub>
+                            <m:r>
+                              <a:rPr lang="en-US" sz="1800" i="1">
+                                <a:latin typeface="Cambria Math" pitchFamily="18" charset="0"/>
+                                <a:ea typeface="Cambria Math" pitchFamily="18" charset="0"/>
+                              </a:rPr>
+                              <m:t>11</m:t>
+                            </m:r>
+                          </m:sub>
+                        </m:sSub>
+                        <m:r>
+                          <a:rPr lang="en-US" sz="1800" i="1">
+                            <a:latin typeface="Cambria Math" pitchFamily="18" charset="0"/>
+                            <a:ea typeface="Cambria Math" pitchFamily="18" charset="0"/>
+                          </a:rPr>
+                          <m:t>+</m:t>
+                        </m:r>
+                        <m:sSub>
+                          <m:sSubPr>
+                            <m:ctrlPr>
+                              <a:rPr lang="pt-BR" sz="1800" i="1">
+                                <a:latin typeface="Cambria Math"/>
+                                <a:ea typeface="Cambria Math" pitchFamily="18" charset="0"/>
+                              </a:rPr>
+                            </m:ctrlPr>
+                          </m:sSubPr>
+                          <m:e>
+                            <m:r>
+                              <a:rPr lang="en-US" sz="1800" i="1">
+                                <a:latin typeface="Cambria Math" pitchFamily="18" charset="0"/>
+                                <a:ea typeface="Cambria Math" pitchFamily="18" charset="0"/>
+                              </a:rPr>
+                              <m:t> </m:t>
+                            </m:r>
+                            <m:r>
+                              <a:rPr lang="en-US" sz="1800" i="1">
+                                <a:latin typeface="Cambria Math" pitchFamily="18" charset="0"/>
+                                <a:ea typeface="Cambria Math" pitchFamily="18" charset="0"/>
+                              </a:rPr>
+                              <m:t>𝑓</m:t>
+                            </m:r>
+                          </m:e>
+                          <m:sub>
+                            <m:r>
+                              <a:rPr lang="en-US" sz="1800" i="1">
+                                <a:latin typeface="Cambria Math" pitchFamily="18" charset="0"/>
+                                <a:ea typeface="Cambria Math" pitchFamily="18" charset="0"/>
+                              </a:rPr>
+                              <m:t>1</m:t>
+                            </m:r>
+                            <m:r>
+                              <a:rPr lang="en-US" sz="1800" i="1">
+                                <a:latin typeface="Cambria Math" pitchFamily="18" charset="0"/>
+                                <a:ea typeface="Cambria Math" pitchFamily="18" charset="0"/>
+                              </a:rPr>
+                              <m:t>0</m:t>
+                            </m:r>
+                          </m:sub>
+                        </m:sSub>
+                        <m:r>
+                          <a:rPr lang="en-US" sz="1800" i="1">
+                            <a:latin typeface="Cambria Math" pitchFamily="18" charset="0"/>
+                            <a:ea typeface="Cambria Math" pitchFamily="18" charset="0"/>
+                          </a:rPr>
+                          <m:t>+ </m:t>
+                        </m:r>
+                        <m:sSub>
+                          <m:sSubPr>
+                            <m:ctrlPr>
+                              <a:rPr lang="pt-BR" sz="1800" i="1">
+                                <a:latin typeface="Cambria Math"/>
+                                <a:ea typeface="Cambria Math" pitchFamily="18" charset="0"/>
+                              </a:rPr>
+                            </m:ctrlPr>
+                          </m:sSubPr>
+                          <m:e>
+                            <m:r>
+                              <a:rPr lang="en-US" sz="1800" i="1">
+                                <a:latin typeface="Cambria Math" pitchFamily="18" charset="0"/>
+                                <a:ea typeface="Cambria Math" pitchFamily="18" charset="0"/>
+                              </a:rPr>
+                              <m:t>𝑓</m:t>
+                            </m:r>
+                          </m:e>
+                          <m:sub>
+                            <m:r>
+                              <a:rPr lang="en-US" sz="1800" i="1">
+                                <a:latin typeface="Cambria Math" pitchFamily="18" charset="0"/>
+                                <a:ea typeface="Cambria Math" pitchFamily="18" charset="0"/>
+                              </a:rPr>
+                              <m:t>0</m:t>
+                            </m:r>
+                            <m:r>
+                              <a:rPr lang="en-US" sz="1800" i="1">
+                                <a:latin typeface="Cambria Math" pitchFamily="18" charset="0"/>
+                                <a:ea typeface="Cambria Math" pitchFamily="18" charset="0"/>
+                              </a:rPr>
+                              <m:t>1</m:t>
+                            </m:r>
+                          </m:sub>
+                        </m:sSub>
+                        <m:r>
+                          <a:rPr lang="en-US" sz="1800" i="1">
+                            <a:latin typeface="Cambria Math" pitchFamily="18" charset="0"/>
+                            <a:ea typeface="Cambria Math" pitchFamily="18" charset="0"/>
+                          </a:rPr>
+                          <m:t>+</m:t>
+                        </m:r>
+                        <m:sSub>
+                          <m:sSubPr>
+                            <m:ctrlPr>
+                              <a:rPr lang="pt-BR" sz="1800" i="1">
+                                <a:latin typeface="Cambria Math"/>
+                                <a:ea typeface="Cambria Math" pitchFamily="18" charset="0"/>
+                              </a:rPr>
+                            </m:ctrlPr>
+                          </m:sSubPr>
+                          <m:e>
+                            <m:r>
+                              <a:rPr lang="en-US" sz="1800" i="1">
+                                <a:latin typeface="Cambria Math" pitchFamily="18" charset="0"/>
+                                <a:ea typeface="Cambria Math" pitchFamily="18" charset="0"/>
+                              </a:rPr>
+                              <m:t>𝑓</m:t>
+                            </m:r>
+                          </m:e>
+                          <m:sub>
+                            <m:r>
+                              <a:rPr lang="en-US" sz="1800" i="1">
+                                <a:latin typeface="Cambria Math" pitchFamily="18" charset="0"/>
+                                <a:ea typeface="Cambria Math" pitchFamily="18" charset="0"/>
+                              </a:rPr>
+                              <m:t>00</m:t>
+                            </m:r>
+                          </m:sub>
+                        </m:sSub>
+                      </m:den>
+                    </m:f>
+                  </m:oMath>
+                </a14:m>
+                <a:endParaRPr lang="en-US" sz="1800" dirty="0" smtClean="0">
+                  <a:latin typeface="Cambria Math" pitchFamily="18" charset="0"/>
+                  <a:ea typeface="Cambria Math" pitchFamily="18" charset="0"/>
+                </a:endParaRPr>
+              </a:p>
+              <a:p>
+                <a:pPr>
+                  <a:lnSpc>
+                    <a:spcPct val="120000"/>
+                  </a:lnSpc>
+                </a:pPr>
+                <a:r>
+                  <a:rPr lang="en-US" sz="1600" dirty="0" smtClean="0">
+                    <a:latin typeface="Cambria Math" pitchFamily="18" charset="0"/>
+                    <a:ea typeface="Cambria Math" pitchFamily="18" charset="0"/>
+                  </a:rPr>
+                  <a:t>Most classification algorithms seek model tha</a:t>
+                </a:r>
+                <a:r>
+                  <a:rPr lang="en-US" sz="1600" dirty="0" smtClean="0">
+                    <a:latin typeface="Cambria Math" pitchFamily="18" charset="0"/>
+                    <a:ea typeface="Cambria Math" pitchFamily="18" charset="0"/>
+                  </a:rPr>
+                  <a:t>t attain the </a:t>
+                </a:r>
+                <a:r>
+                  <a:rPr lang="en-US" sz="1600" u="sng" dirty="0" smtClean="0">
+                    <a:solidFill>
+                      <a:srgbClr val="002060"/>
+                    </a:solidFill>
+                    <a:latin typeface="Cambria Math" pitchFamily="18" charset="0"/>
+                    <a:ea typeface="Cambria Math" pitchFamily="18" charset="0"/>
+                  </a:rPr>
+                  <a:t>highest accuracy</a:t>
+                </a:r>
+                <a:r>
+                  <a:rPr lang="en-US" sz="1600" dirty="0" smtClean="0">
+                    <a:latin typeface="Cambria Math" pitchFamily="18" charset="0"/>
+                    <a:ea typeface="Cambria Math" pitchFamily="18" charset="0"/>
+                  </a:rPr>
+                  <a:t>, or </a:t>
+                </a:r>
+                <a:r>
+                  <a:rPr lang="en-US" sz="1600" u="sng" dirty="0" smtClean="0">
+                    <a:solidFill>
+                      <a:srgbClr val="002060"/>
+                    </a:solidFill>
+                    <a:latin typeface="Cambria Math" pitchFamily="18" charset="0"/>
+                    <a:ea typeface="Cambria Math" pitchFamily="18" charset="0"/>
+                  </a:rPr>
+                  <a:t>lowest error </a:t>
+                </a:r>
+                <a:r>
+                  <a:rPr lang="en-US" sz="1600" dirty="0" smtClean="0">
+                    <a:latin typeface="Cambria Math" pitchFamily="18" charset="0"/>
+                    <a:ea typeface="Cambria Math" pitchFamily="18" charset="0"/>
+                  </a:rPr>
+                  <a:t>rate when applied to the test set.</a:t>
+                </a:r>
+                <a:endParaRPr lang="en-US" sz="1600" dirty="0" smtClean="0">
+                  <a:latin typeface="Cambria Math" pitchFamily="18" charset="0"/>
+                  <a:ea typeface="Cambria Math" pitchFamily="18" charset="0"/>
+                </a:endParaRPr>
+              </a:p>
+              <a:p>
+                <a:pPr>
+                  <a:lnSpc>
+                    <a:spcPct val="120000"/>
+                  </a:lnSpc>
+                </a:pPr>
+                <a:endParaRPr lang="en-US" sz="1800" dirty="0" smtClean="0">
+                  <a:latin typeface="Cambria Math" pitchFamily="18" charset="0"/>
+                  <a:ea typeface="Cambria Math" pitchFamily="18" charset="0"/>
+                </a:endParaRPr>
+              </a:p>
+              <a:p>
+                <a:endParaRPr lang="en-US" sz="2000" dirty="0">
+                  <a:latin typeface="Cambria Math" pitchFamily="18" charset="0"/>
+                  <a:ea typeface="Cambria Math" pitchFamily="18" charset="0"/>
+                </a:endParaRPr>
+              </a:p>
+            </p:txBody>
+          </p:sp>
+        </mc:Choice>
+        <mc:Fallback>
+          <p:sp>
+            <p:nvSpPr>
+              <p:cNvPr id="3" name="Content Placeholder 2"/>
+              <p:cNvSpPr>
+                <a:spLocks noGrp="1" noRot="1" noChangeAspect="1" noMove="1" noResize="1" noEditPoints="1" noAdjustHandles="1" noChangeArrowheads="1" noChangeShapeType="1" noTextEdit="1"/>
+              </p:cNvSpPr>
+              <p:nvPr>
+                <p:ph idx="1"/>
+              </p:nvPr>
+            </p:nvSpPr>
+            <p:spPr>
+              <a:xfrm>
+                <a:off x="457200" y="742950"/>
+                <a:ext cx="8458200" cy="4267200"/>
+              </a:xfrm>
+              <a:blipFill rotWithShape="1">
+                <a:blip r:embed="rId2"/>
+                <a:stretch>
+                  <a:fillRect l="-216" t="-1000"/>
+                </a:stretch>
+              </a:blipFill>
+            </p:spPr>
+            <p:txBody>
+              <a:bodyPr/>
+              <a:lstStyle/>
+              <a:p>
+                <a:r>
+                  <a:rPr lang="en-US">
+                    <a:noFill/>
+                  </a:rPr>
+                  <a:t> </a:t>
+                </a:r>
+              </a:p>
+            </p:txBody>
+          </p:sp>
+        </mc:Fallback>
+      </mc:AlternateContent>
+      <mc:AlternateContent xmlns:mc="http://schemas.openxmlformats.org/markup-compatibility/2006">
+        <mc:Choice xmlns:a14="http://schemas.microsoft.com/office/drawing/2010/main" Requires="a14">
+          <p:graphicFrame>
+            <p:nvGraphicFramePr>
+              <p:cNvPr id="4" name="Table 3"/>
+              <p:cNvGraphicFramePr>
+                <a:graphicFrameLocks noGrp="1"/>
+              </p:cNvGraphicFramePr>
+              <p:nvPr>
+                <p:extLst>
+                  <p:ext uri="{D42A27DB-BD31-4B8C-83A1-F6EECF244321}">
+                    <p14:modId xmlns:p14="http://schemas.microsoft.com/office/powerpoint/2010/main" val="2776985653"/>
+                  </p:ext>
+                </p:extLst>
+              </p:nvPr>
+            </p:nvGraphicFramePr>
+            <p:xfrm>
+              <a:off x="1447800" y="1276350"/>
+              <a:ext cx="5867400" cy="1463040"/>
+            </p:xfrm>
+            <a:graphic>
+              <a:graphicData uri="http://schemas.openxmlformats.org/drawingml/2006/table">
+                <a:tbl>
+                  <a:tblPr firstRow="1" bandRow="1">
+                    <a:tableStyleId>{5940675A-B579-460E-94D1-54222C63F5DA}</a:tableStyleId>
+                  </a:tblPr>
+                  <a:tblGrid>
+                    <a:gridCol w="1466850"/>
+                    <a:gridCol w="1466850"/>
+                    <a:gridCol w="1466850"/>
+                    <a:gridCol w="1466850"/>
+                  </a:tblGrid>
+                  <a:tr h="342900">
+                    <a:tc rowSpan="2" gridSpan="2">
+                      <a:txBody>
+                        <a:bodyPr/>
+                        <a:lstStyle/>
+                        <a:p>
+                          <a:endParaRPr lang="en-US" dirty="0"/>
+                        </a:p>
+                      </a:txBody>
+                      <a:tcPr/>
+                    </a:tc>
+                    <a:tc rowSpan="2" hMerge="1">
+                      <a:txBody>
+                        <a:bodyPr/>
+                        <a:lstStyle/>
+                        <a:p>
+                          <a:endParaRPr lang="en-US" dirty="0"/>
+                        </a:p>
+                      </a:txBody>
+                      <a:tcPr/>
+                    </a:tc>
+                    <a:tc gridSpan="2">
+                      <a:txBody>
+                        <a:bodyPr/>
+                        <a:lstStyle/>
+                        <a:p>
+                          <a:pPr algn="ctr"/>
+                          <a:r>
+                            <a:rPr lang="en-US" dirty="0" smtClean="0"/>
+                            <a:t>Predicted</a:t>
+                          </a:r>
+                          <a:r>
+                            <a:rPr lang="en-US" baseline="0" dirty="0" smtClean="0"/>
+                            <a:t> Class</a:t>
+                          </a:r>
+                          <a:endParaRPr lang="en-US" dirty="0"/>
+                        </a:p>
+                      </a:txBody>
+                      <a:tcPr/>
+                    </a:tc>
+                    <a:tc hMerge="1">
+                      <a:txBody>
+                        <a:bodyPr/>
+                        <a:lstStyle/>
+                        <a:p>
+                          <a:endParaRPr lang="en-US" dirty="0"/>
+                        </a:p>
+                      </a:txBody>
+                      <a:tcPr/>
+                    </a:tc>
+                  </a:tr>
+                  <a:tr h="342900">
+                    <a:tc gridSpan="2" vMerge="1">
+                      <a:txBody>
+                        <a:bodyPr/>
+                        <a:lstStyle/>
+                        <a:p>
+                          <a:endParaRPr lang="en-US"/>
+                        </a:p>
+                      </a:txBody>
+                      <a:tcPr/>
+                    </a:tc>
+                    <a:tc hMerge="1" vMerge="1">
+                      <a:txBody>
+                        <a:bodyPr/>
+                        <a:lstStyle/>
+                        <a:p>
+                          <a:endParaRPr lang="en-US" dirty="0"/>
+                        </a:p>
+                      </a:txBody>
+                      <a:tcPr/>
+                    </a:tc>
+                    <a:tc>
+                      <a:txBody>
+                        <a:bodyPr/>
+                        <a:lstStyle/>
+                        <a:p>
+                          <a:pPr algn="ctr"/>
+                          <a:r>
+                            <a:rPr lang="en-US" i="1" dirty="0" smtClean="0"/>
+                            <a:t>Class = 1</a:t>
+                          </a:r>
+                          <a:endParaRPr lang="en-US" i="1" dirty="0"/>
+                        </a:p>
+                      </a:txBody>
+                      <a:tcPr/>
+                    </a:tc>
+                    <a:tc>
+                      <a:txBody>
+                        <a:bodyPr/>
+                        <a:lstStyle/>
+                        <a:p>
+                          <a:pPr marL="0" marR="0" indent="0" algn="ctr" defTabSz="914400" rtl="0" eaLnBrk="1" fontAlgn="auto" latinLnBrk="0" hangingPunct="1">
+                            <a:lnSpc>
+                              <a:spcPct val="100000"/>
+                            </a:lnSpc>
+                            <a:spcBef>
+                              <a:spcPts val="0"/>
+                            </a:spcBef>
+                            <a:spcAft>
+                              <a:spcPts val="0"/>
+                            </a:spcAft>
+                            <a:buClrTx/>
+                            <a:buSzTx/>
+                            <a:buFontTx/>
+                            <a:buNone/>
+                            <a:tabLst/>
+                            <a:defRPr/>
+                          </a:pPr>
+                          <a:r>
+                            <a:rPr lang="en-US" i="1" dirty="0" smtClean="0"/>
+                            <a:t>Class =</a:t>
+                          </a:r>
+                          <a:r>
+                            <a:rPr lang="en-US" i="1" baseline="0" dirty="0" smtClean="0"/>
+                            <a:t> 0</a:t>
+                          </a:r>
+                          <a:endParaRPr lang="en-US" i="1" dirty="0" smtClean="0"/>
+                        </a:p>
+                      </a:txBody>
+                      <a:tcPr/>
+                    </a:tc>
+                  </a:tr>
+                  <a:tr h="342900">
+                    <a:tc rowSpan="2">
+                      <a:txBody>
+                        <a:bodyPr/>
+                        <a:lstStyle/>
+                        <a:p>
+                          <a:pPr algn="ctr"/>
+                          <a:r>
+                            <a:rPr lang="en-US" dirty="0" smtClean="0"/>
+                            <a:t>Actual </a:t>
+                          </a:r>
+                        </a:p>
+                        <a:p>
+                          <a:pPr algn="ctr"/>
+                          <a:r>
+                            <a:rPr lang="en-US" dirty="0" smtClean="0"/>
+                            <a:t>Class</a:t>
+                          </a:r>
+                          <a:endParaRPr lang="en-US" dirty="0"/>
+                        </a:p>
+                      </a:txBody>
+                      <a:tcPr/>
+                    </a:tc>
+                    <a:tc>
+                      <a:txBody>
+                        <a:bodyPr/>
+                        <a:lstStyle/>
+                        <a:p>
+                          <a:r>
+                            <a:rPr lang="en-US" i="1" u="none" dirty="0" smtClean="0"/>
+                            <a:t>Class = 1</a:t>
+                          </a:r>
+                          <a:endParaRPr lang="en-US" i="1" u="none" dirty="0"/>
+                        </a:p>
+                      </a:txBody>
+                      <a:tcPr/>
+                    </a:tc>
+                    <a:tc>
+                      <a:txBody>
+                        <a:bodyPr/>
+                        <a:lstStyle/>
+                        <a:p>
+                          <a:pPr/>
+                          <a14:m>
+                            <m:oMathPara xmlns:m="http://schemas.openxmlformats.org/officeDocument/2006/math">
+                              <m:oMathParaPr>
+                                <m:jc m:val="centerGroup"/>
+                              </m:oMathParaPr>
+                              <m:oMath xmlns:m="http://schemas.openxmlformats.org/officeDocument/2006/math">
+                                <m:sSub>
+                                  <m:sSubPr>
+                                    <m:ctrlPr>
+                                      <a:rPr lang="pt-BR" i="1" smtClean="0">
+                                        <a:latin typeface="Cambria Math"/>
+                                      </a:rPr>
+                                    </m:ctrlPr>
+                                  </m:sSubPr>
+                                  <m:e>
+                                    <m:r>
+                                      <a:rPr lang="en-US" b="0" i="1" smtClean="0">
+                                        <a:latin typeface="Cambria Math"/>
+                                      </a:rPr>
+                                      <m:t>𝑓</m:t>
+                                    </m:r>
+                                  </m:e>
+                                  <m:sub>
+                                    <m:r>
+                                      <a:rPr lang="en-US" b="0" i="1" smtClean="0">
+                                        <a:latin typeface="Cambria Math"/>
+                                      </a:rPr>
+                                      <m:t>11</m:t>
+                                    </m:r>
+                                  </m:sub>
+                                </m:sSub>
+                              </m:oMath>
+                            </m:oMathPara>
+                          </a14:m>
+                          <a:endParaRPr lang="en-US" dirty="0"/>
+                        </a:p>
+                      </a:txBody>
+                      <a:tcPr/>
+                    </a:tc>
+                    <a:tc>
+                      <a:txBody>
+                        <a:bodyPr/>
+                        <a:lstStyle/>
+                        <a:p>
+                          <a:pPr/>
+                          <a14:m>
+                            <m:oMathPara xmlns:m="http://schemas.openxmlformats.org/officeDocument/2006/math">
+                              <m:oMathParaPr>
+                                <m:jc m:val="centerGroup"/>
+                              </m:oMathParaPr>
+                              <m:oMath xmlns:m="http://schemas.openxmlformats.org/officeDocument/2006/math">
+                                <m:sSub>
+                                  <m:sSubPr>
+                                    <m:ctrlPr>
+                                      <a:rPr lang="pt-BR" i="1" smtClean="0">
+                                        <a:latin typeface="Cambria Math"/>
+                                      </a:rPr>
+                                    </m:ctrlPr>
+                                  </m:sSubPr>
+                                  <m:e>
+                                    <m:r>
+                                      <a:rPr lang="en-US" b="0" i="1" smtClean="0">
+                                        <a:latin typeface="Cambria Math"/>
+                                      </a:rPr>
+                                      <m:t>𝑓</m:t>
+                                    </m:r>
+                                  </m:e>
+                                  <m:sub>
+                                    <m:r>
+                                      <a:rPr lang="en-US" b="0" i="1" smtClean="0">
+                                        <a:latin typeface="Cambria Math"/>
+                                      </a:rPr>
+                                      <m:t>10</m:t>
+                                    </m:r>
+                                  </m:sub>
+                                </m:sSub>
+                              </m:oMath>
+                            </m:oMathPara>
+                          </a14:m>
+                          <a:endParaRPr lang="en-US" dirty="0"/>
+                        </a:p>
+                      </a:txBody>
+                      <a:tcPr/>
+                    </a:tc>
+                  </a:tr>
+                  <a:tr h="342900">
+                    <a:tc vMerge="1">
+                      <a:txBody>
+                        <a:bodyPr/>
+                        <a:lstStyle/>
+                        <a:p>
+                          <a:endParaRPr lang="en-US" dirty="0"/>
+                        </a:p>
+                      </a:txBody>
+                      <a:tcPr/>
+                    </a:tc>
+                    <a:tc>
+                      <a:txBody>
+                        <a:bodyPr/>
+                        <a:lstStyle/>
+                        <a:p>
+                          <a:r>
+                            <a:rPr lang="en-US" i="1" u="none" dirty="0" smtClean="0"/>
+                            <a:t>Class =</a:t>
+                          </a:r>
+                          <a:r>
+                            <a:rPr lang="en-US" i="1" u="none" baseline="0" dirty="0" smtClean="0"/>
+                            <a:t> 0</a:t>
+                          </a:r>
+                          <a:endParaRPr lang="en-US" i="1" u="none" dirty="0"/>
+                        </a:p>
+                      </a:txBody>
+                      <a:tcPr/>
+                    </a:tc>
+                    <a:tc>
+                      <a:txBody>
+                        <a:bodyPr/>
+                        <a:lstStyle/>
+                        <a:p>
+                          <a:pPr/>
+                          <a14:m>
+                            <m:oMathPara xmlns:m="http://schemas.openxmlformats.org/officeDocument/2006/math">
+                              <m:oMathParaPr>
+                                <m:jc m:val="centerGroup"/>
+                              </m:oMathParaPr>
+                              <m:oMath xmlns:m="http://schemas.openxmlformats.org/officeDocument/2006/math">
+                                <m:sSub>
+                                  <m:sSubPr>
+                                    <m:ctrlPr>
+                                      <a:rPr lang="pt-BR" i="1" smtClean="0">
+                                        <a:latin typeface="Cambria Math"/>
+                                      </a:rPr>
+                                    </m:ctrlPr>
+                                  </m:sSubPr>
+                                  <m:e>
+                                    <m:r>
+                                      <a:rPr lang="en-US" b="0" i="1" smtClean="0">
+                                        <a:latin typeface="Cambria Math"/>
+                                      </a:rPr>
+                                      <m:t>𝑓</m:t>
+                                    </m:r>
+                                  </m:e>
+                                  <m:sub>
+                                    <m:r>
+                                      <a:rPr lang="en-US" b="0" i="1" smtClean="0">
+                                        <a:latin typeface="Cambria Math"/>
+                                      </a:rPr>
+                                      <m:t>01</m:t>
+                                    </m:r>
+                                  </m:sub>
+                                </m:sSub>
+                              </m:oMath>
+                            </m:oMathPara>
+                          </a14:m>
+                          <a:endParaRPr lang="en-US" dirty="0"/>
+                        </a:p>
+                      </a:txBody>
+                      <a:tcPr/>
+                    </a:tc>
+                    <a:tc>
+                      <a:txBody>
+                        <a:bodyPr/>
+                        <a:lstStyle/>
+                        <a:p>
+                          <a:pPr/>
+                          <a14:m>
+                            <m:oMathPara xmlns:m="http://schemas.openxmlformats.org/officeDocument/2006/math">
+                              <m:oMathParaPr>
+                                <m:jc m:val="centerGroup"/>
+                              </m:oMathParaPr>
+                              <m:oMath xmlns:m="http://schemas.openxmlformats.org/officeDocument/2006/math">
+                                <m:sSub>
+                                  <m:sSubPr>
+                                    <m:ctrlPr>
+                                      <a:rPr lang="pt-BR" i="1" smtClean="0">
+                                        <a:latin typeface="Cambria Math"/>
+                                      </a:rPr>
+                                    </m:ctrlPr>
+                                  </m:sSubPr>
+                                  <m:e>
+                                    <m:r>
+                                      <a:rPr lang="en-US" b="0" i="1" smtClean="0">
+                                        <a:latin typeface="Cambria Math"/>
+                                      </a:rPr>
+                                      <m:t>𝑓</m:t>
+                                    </m:r>
+                                  </m:e>
+                                  <m:sub>
+                                    <m:r>
+                                      <a:rPr lang="en-US" b="0" i="1" smtClean="0">
+                                        <a:latin typeface="Cambria Math"/>
+                                      </a:rPr>
+                                      <m:t>00</m:t>
+                                    </m:r>
+                                  </m:sub>
+                                </m:sSub>
+                              </m:oMath>
+                            </m:oMathPara>
+                          </a14:m>
+                          <a:endParaRPr lang="en-US" dirty="0"/>
+                        </a:p>
+                      </a:txBody>
+                      <a:tcPr/>
+                    </a:tc>
+                  </a:tr>
+                </a:tbl>
+              </a:graphicData>
+            </a:graphic>
+          </p:graphicFrame>
+        </mc:Choice>
+        <mc:Fallback>
+          <p:graphicFrame>
+            <p:nvGraphicFramePr>
+              <p:cNvPr id="4" name="Table 3"/>
+              <p:cNvGraphicFramePr>
+                <a:graphicFrameLocks noGrp="1"/>
+              </p:cNvGraphicFramePr>
+              <p:nvPr>
+                <p:extLst>
+                  <p:ext uri="{D42A27DB-BD31-4B8C-83A1-F6EECF244321}">
+                    <p14:modId xmlns:p14="http://schemas.microsoft.com/office/powerpoint/2010/main" val="2776985653"/>
+                  </p:ext>
+                </p:extLst>
+              </p:nvPr>
+            </p:nvGraphicFramePr>
+            <p:xfrm>
+              <a:off x="1447800" y="1276350"/>
+              <a:ext cx="5867400" cy="1463040"/>
+            </p:xfrm>
+            <a:graphic>
+              <a:graphicData uri="http://schemas.openxmlformats.org/drawingml/2006/table">
+                <a:tbl>
+                  <a:tblPr firstRow="1" bandRow="1">
+                    <a:tableStyleId>{5940675A-B579-460E-94D1-54222C63F5DA}</a:tableStyleId>
+                  </a:tblPr>
+                  <a:tblGrid>
+                    <a:gridCol w="1466850"/>
+                    <a:gridCol w="1466850"/>
+                    <a:gridCol w="1466850"/>
+                    <a:gridCol w="1466850"/>
+                  </a:tblGrid>
+                  <a:tr h="365760">
+                    <a:tc rowSpan="2" gridSpan="2">
+                      <a:txBody>
+                        <a:bodyPr/>
+                        <a:lstStyle/>
+                        <a:p>
+                          <a:endParaRPr lang="en-US" dirty="0"/>
+                        </a:p>
+                      </a:txBody>
+                      <a:tcPr/>
+                    </a:tc>
+                    <a:tc rowSpan="2" hMerge="1">
+                      <a:txBody>
+                        <a:bodyPr/>
+                        <a:lstStyle/>
+                        <a:p>
+                          <a:endParaRPr lang="en-US" dirty="0"/>
+                        </a:p>
+                      </a:txBody>
+                      <a:tcPr/>
+                    </a:tc>
+                    <a:tc gridSpan="2">
+                      <a:txBody>
+                        <a:bodyPr/>
+                        <a:lstStyle/>
+                        <a:p>
+                          <a:pPr algn="ctr"/>
+                          <a:r>
+                            <a:rPr lang="en-US" dirty="0" smtClean="0"/>
+                            <a:t>Predicted</a:t>
+                          </a:r>
+                          <a:r>
+                            <a:rPr lang="en-US" baseline="0" dirty="0" smtClean="0"/>
+                            <a:t> Class</a:t>
+                          </a:r>
+                          <a:endParaRPr lang="en-US" dirty="0"/>
+                        </a:p>
+                      </a:txBody>
+                      <a:tcPr/>
+                    </a:tc>
+                    <a:tc hMerge="1">
+                      <a:txBody>
+                        <a:bodyPr/>
+                        <a:lstStyle/>
+                        <a:p>
+                          <a:endParaRPr lang="en-US" dirty="0"/>
+                        </a:p>
+                      </a:txBody>
+                      <a:tcPr/>
+                    </a:tc>
+                  </a:tr>
+                  <a:tr h="365760">
+                    <a:tc gridSpan="2" vMerge="1">
+                      <a:txBody>
+                        <a:bodyPr/>
+                        <a:lstStyle/>
+                        <a:p>
+                          <a:endParaRPr lang="en-US"/>
+                        </a:p>
+                      </a:txBody>
+                      <a:tcPr/>
+                    </a:tc>
+                    <a:tc hMerge="1" vMerge="1">
+                      <a:txBody>
+                        <a:bodyPr/>
+                        <a:lstStyle/>
+                        <a:p>
+                          <a:endParaRPr lang="en-US" dirty="0"/>
+                        </a:p>
+                      </a:txBody>
+                      <a:tcPr/>
+                    </a:tc>
+                    <a:tc>
+                      <a:txBody>
+                        <a:bodyPr/>
+                        <a:lstStyle/>
+                        <a:p>
+                          <a:pPr algn="ctr"/>
+                          <a:r>
+                            <a:rPr lang="en-US" i="1" dirty="0" smtClean="0"/>
+                            <a:t>Class = 1</a:t>
+                          </a:r>
+                          <a:endParaRPr lang="en-US" i="1" dirty="0"/>
+                        </a:p>
+                      </a:txBody>
+                      <a:tcPr/>
+                    </a:tc>
+                    <a:tc>
+                      <a:txBody>
+                        <a:bodyPr/>
+                        <a:lstStyle/>
+                        <a:p>
+                          <a:pPr marL="0" marR="0" indent="0" algn="ctr" defTabSz="914400" rtl="0" eaLnBrk="1" fontAlgn="auto" latinLnBrk="0" hangingPunct="1">
+                            <a:lnSpc>
+                              <a:spcPct val="100000"/>
+                            </a:lnSpc>
+                            <a:spcBef>
+                              <a:spcPts val="0"/>
+                            </a:spcBef>
+                            <a:spcAft>
+                              <a:spcPts val="0"/>
+                            </a:spcAft>
+                            <a:buClrTx/>
+                            <a:buSzTx/>
+                            <a:buFontTx/>
+                            <a:buNone/>
+                            <a:tabLst/>
+                            <a:defRPr/>
+                          </a:pPr>
+                          <a:r>
+                            <a:rPr lang="en-US" i="1" dirty="0" smtClean="0"/>
+                            <a:t>Class =</a:t>
+                          </a:r>
+                          <a:r>
+                            <a:rPr lang="en-US" i="1" baseline="0" dirty="0" smtClean="0"/>
+                            <a:t> 0</a:t>
+                          </a:r>
+                          <a:endParaRPr lang="en-US" i="1" dirty="0" smtClean="0"/>
+                        </a:p>
+                      </a:txBody>
+                      <a:tcPr/>
+                    </a:tc>
+                  </a:tr>
+                  <a:tr h="365760">
+                    <a:tc rowSpan="2">
+                      <a:txBody>
+                        <a:bodyPr/>
+                        <a:lstStyle/>
+                        <a:p>
+                          <a:pPr algn="ctr"/>
+                          <a:r>
+                            <a:rPr lang="en-US" dirty="0" smtClean="0"/>
+                            <a:t>Actual </a:t>
+                          </a:r>
+                        </a:p>
+                        <a:p>
+                          <a:pPr algn="ctr"/>
+                          <a:r>
+                            <a:rPr lang="en-US" dirty="0" smtClean="0"/>
+                            <a:t>Class</a:t>
+                          </a:r>
+                          <a:endParaRPr lang="en-US" dirty="0"/>
+                        </a:p>
+                      </a:txBody>
+                      <a:tcPr/>
+                    </a:tc>
+                    <a:tc>
+                      <a:txBody>
+                        <a:bodyPr/>
+                        <a:lstStyle/>
+                        <a:p>
+                          <a:r>
+                            <a:rPr lang="en-US" i="1" u="none" dirty="0" smtClean="0"/>
+                            <a:t>Class = 1</a:t>
+                          </a:r>
+                          <a:endParaRPr lang="en-US" i="1" u="none" dirty="0"/>
+                        </a:p>
+                      </a:txBody>
+                      <a:tcPr/>
+                    </a:tc>
+                    <a:tc>
+                      <a:txBody>
+                        <a:bodyPr/>
+                        <a:lstStyle/>
+                        <a:p>
+                          <a:endParaRPr lang="en-US"/>
+                        </a:p>
+                      </a:txBody>
+                      <a:tcPr>
+                        <a:blipFill rotWithShape="1">
+                          <a:blip r:embed="rId3"/>
+                          <a:stretch>
+                            <a:fillRect l="-200000" t="-208333" r="-99585" b="-126667"/>
+                          </a:stretch>
+                        </a:blipFill>
+                      </a:tcPr>
+                    </a:tc>
+                    <a:tc>
+                      <a:txBody>
+                        <a:bodyPr/>
+                        <a:lstStyle/>
+                        <a:p>
+                          <a:endParaRPr lang="en-US"/>
+                        </a:p>
+                      </a:txBody>
+                      <a:tcPr>
+                        <a:blipFill rotWithShape="1">
+                          <a:blip r:embed="rId3"/>
+                          <a:stretch>
+                            <a:fillRect l="-301250" t="-208333" b="-126667"/>
+                          </a:stretch>
+                        </a:blipFill>
+                      </a:tcPr>
+                    </a:tc>
+                  </a:tr>
+                  <a:tr h="365760">
+                    <a:tc vMerge="1">
+                      <a:txBody>
+                        <a:bodyPr/>
+                        <a:lstStyle/>
+                        <a:p>
+                          <a:endParaRPr lang="en-US" dirty="0"/>
+                        </a:p>
+                      </a:txBody>
+                      <a:tcPr/>
+                    </a:tc>
+                    <a:tc>
+                      <a:txBody>
+                        <a:bodyPr/>
+                        <a:lstStyle/>
+                        <a:p>
+                          <a:r>
+                            <a:rPr lang="en-US" i="1" u="none" dirty="0" smtClean="0"/>
+                            <a:t>Class =</a:t>
+                          </a:r>
+                          <a:r>
+                            <a:rPr lang="en-US" i="1" u="none" baseline="0" dirty="0" smtClean="0"/>
+                            <a:t> 0</a:t>
+                          </a:r>
+                          <a:endParaRPr lang="en-US" i="1" u="none" dirty="0"/>
+                        </a:p>
+                      </a:txBody>
+                      <a:tcPr/>
+                    </a:tc>
+                    <a:tc>
+                      <a:txBody>
+                        <a:bodyPr/>
+                        <a:lstStyle/>
+                        <a:p>
+                          <a:endParaRPr lang="en-US"/>
+                        </a:p>
+                      </a:txBody>
+                      <a:tcPr>
+                        <a:blipFill rotWithShape="1">
+                          <a:blip r:embed="rId3"/>
+                          <a:stretch>
+                            <a:fillRect l="-200000" t="-308333" r="-99585" b="-26667"/>
+                          </a:stretch>
+                        </a:blipFill>
+                      </a:tcPr>
+                    </a:tc>
+                    <a:tc>
+                      <a:txBody>
+                        <a:bodyPr/>
+                        <a:lstStyle/>
+                        <a:p>
+                          <a:endParaRPr lang="en-US"/>
+                        </a:p>
+                      </a:txBody>
+                      <a:tcPr>
+                        <a:blipFill rotWithShape="1">
+                          <a:blip r:embed="rId3"/>
+                          <a:stretch>
+                            <a:fillRect l="-301250" t="-308333" b="-26667"/>
+                          </a:stretch>
+                        </a:blipFill>
+                      </a:tcPr>
+                    </a:tc>
+                  </a:tr>
+                </a:tbl>
+              </a:graphicData>
+            </a:graphic>
+          </p:graphicFrame>
+        </mc:Fallback>
+      </mc:AlternateContent>
     </p:spTree>
     <p:extLst>
       <p:ext uri="{BB962C8B-B14F-4D97-AF65-F5344CB8AC3E}">
-        <p14:creationId xmlns:p14="http://schemas.microsoft.com/office/powerpoint/2010/main" val="2409583796"/>
+        <p14:creationId xmlns:p14="http://schemas.microsoft.com/office/powerpoint/2010/main" val="1882883352"/>
       </p:ext>
     </p:extLst>
   </p:cSld>
@@ -13027,6 +14633,13 @@
     <a:masterClrMapping/>
   </p:clrMapOvr>
   <p:transition spd="slow"/>
+  <p:timing>
+    <p:tnLst>
+      <p:par>
+        <p:cTn id="1" dur="indefinite" restart="never" nodeType="tmRoot"/>
+      </p:par>
+    </p:tnLst>
+  </p:timing>
 </p:sld>
 </file>
 
@@ -13064,57 +14677,142 @@
           <a:p>
             <a:r>
               <a:rPr lang="en-US" b="1" dirty="0"/>
-              <a:t>Decision Tree Classification Task</a:t>
+              <a:t>Classification Techniques</a:t>
             </a:r>
             <a:endParaRPr lang="en-US" dirty="0"/>
           </a:p>
         </p:txBody>
       </p:sp>
-      <p:pic>
-        <p:nvPicPr>
-          <p:cNvPr id="2050" name="Picture 2" descr="C:\Users\Kyo\Desktop\Capture.PNG"/>
-          <p:cNvPicPr>
-            <a:picLocks noChangeAspect="1" noChangeArrowheads="1"/>
-          </p:cNvPicPr>
-          <p:nvPr/>
-        </p:nvPicPr>
-        <p:blipFill>
-          <a:blip r:embed="rId2">
-            <a:extLst>
-              <a:ext uri="{28A0092B-C50C-407E-A947-70E740481C1C}">
-                <a14:useLocalDpi xmlns:a14="http://schemas.microsoft.com/office/drawing/2010/main" val="0"/>
-              </a:ext>
-            </a:extLst>
-          </a:blip>
-          <a:srcRect/>
-          <a:stretch>
-            <a:fillRect/>
-          </a:stretch>
-        </p:blipFill>
-        <p:spPr bwMode="auto">
-          <a:xfrm>
-            <a:off x="1265274" y="742950"/>
-            <a:ext cx="5935663" cy="4206728"/>
-          </a:xfrm>
-          <a:prstGeom prst="rect">
-            <a:avLst/>
-          </a:prstGeom>
-          <a:noFill/>
-          <a:extLst>
-            <a:ext uri="{909E8E84-426E-40DD-AFC4-6F175D3DCCD1}">
-              <a14:hiddenFill xmlns:a14="http://schemas.microsoft.com/office/drawing/2010/main">
-                <a:solidFill>
-                  <a:srgbClr val="FFFFFF"/>
-                </a:solidFill>
-              </a14:hiddenFill>
-            </a:ext>
-          </a:extLst>
-        </p:spPr>
-      </p:pic>
+      <p:sp>
+        <p:nvSpPr>
+          <p:cNvPr id="3" name="Content Placeholder 2"/>
+          <p:cNvSpPr>
+            <a:spLocks noGrp="1"/>
+          </p:cNvSpPr>
+          <p:nvPr>
+            <p:ph idx="1"/>
+          </p:nvPr>
+        </p:nvSpPr>
+        <p:spPr/>
+        <p:txBody>
+          <a:bodyPr>
+            <a:normAutofit/>
+          </a:bodyPr>
+          <a:lstStyle/>
+          <a:p>
+            <a:r>
+              <a:rPr lang="en-US" sz="2400" b="1" dirty="0" smtClean="0">
+                <a:solidFill>
+                  <a:srgbClr val="002060"/>
+                </a:solidFill>
+              </a:rPr>
+              <a:t>Decision </a:t>
+            </a:r>
+            <a:r>
+              <a:rPr lang="en-US" sz="2400" b="1" dirty="0">
+                <a:solidFill>
+                  <a:srgbClr val="002060"/>
+                </a:solidFill>
+              </a:rPr>
+              <a:t>Tree based Methods</a:t>
+            </a:r>
+          </a:p>
+          <a:p>
+            <a:r>
+              <a:rPr lang="en-US" sz="2400" dirty="0" smtClean="0">
+                <a:solidFill>
+                  <a:schemeClr val="tx1"/>
+                </a:solidFill>
+              </a:rPr>
+              <a:t>Rule-based </a:t>
+            </a:r>
+            <a:r>
+              <a:rPr lang="en-US" sz="2400" dirty="0">
+                <a:solidFill>
+                  <a:schemeClr val="tx1"/>
+                </a:solidFill>
+              </a:rPr>
+              <a:t>Methods</a:t>
+            </a:r>
+          </a:p>
+          <a:p>
+            <a:r>
+              <a:rPr lang="en-US" sz="2400" dirty="0" smtClean="0">
+                <a:solidFill>
+                  <a:schemeClr val="tx1"/>
+                </a:solidFill>
+              </a:rPr>
+              <a:t>Memory </a:t>
+            </a:r>
+            <a:r>
+              <a:rPr lang="en-US" sz="2400" dirty="0">
+                <a:solidFill>
+                  <a:schemeClr val="tx1"/>
+                </a:solidFill>
+              </a:rPr>
+              <a:t>based reasoning</a:t>
+            </a:r>
+          </a:p>
+          <a:p>
+            <a:r>
+              <a:rPr lang="en-US" sz="2400" dirty="0" smtClean="0">
+                <a:solidFill>
+                  <a:schemeClr val="tx1"/>
+                </a:solidFill>
+              </a:rPr>
+              <a:t>Neural </a:t>
+            </a:r>
+            <a:r>
+              <a:rPr lang="en-US" sz="2400" dirty="0">
+                <a:solidFill>
+                  <a:schemeClr val="tx1"/>
+                </a:solidFill>
+              </a:rPr>
+              <a:t>Networks</a:t>
+            </a:r>
+          </a:p>
+          <a:p>
+            <a:r>
+              <a:rPr lang="en-US" sz="2400" dirty="0" smtClean="0">
+                <a:solidFill>
+                  <a:schemeClr val="tx1"/>
+                </a:solidFill>
+              </a:rPr>
+              <a:t>Naïve </a:t>
+            </a:r>
+            <a:r>
+              <a:rPr lang="en-US" sz="2400" dirty="0">
+                <a:solidFill>
+                  <a:schemeClr val="tx1"/>
+                </a:solidFill>
+              </a:rPr>
+              <a:t>Bayes and Bayesian Belief Networks</a:t>
+            </a:r>
+          </a:p>
+          <a:p>
+            <a:r>
+              <a:rPr lang="en-US" sz="2400" dirty="0" smtClean="0">
+                <a:solidFill>
+                  <a:schemeClr val="tx1"/>
+                </a:solidFill>
+              </a:rPr>
+              <a:t>Support </a:t>
+            </a:r>
+            <a:r>
+              <a:rPr lang="en-US" sz="2400" dirty="0">
+                <a:solidFill>
+                  <a:schemeClr val="tx1"/>
+                </a:solidFill>
+              </a:rPr>
+              <a:t>Vector Machines</a:t>
+            </a:r>
+          </a:p>
+        </p:txBody>
+      </p:sp>
     </p:spTree>
     <p:extLst>
       <p:ext uri="{BB962C8B-B14F-4D97-AF65-F5344CB8AC3E}">
-        <p14:creationId xmlns:p14="http://schemas.microsoft.com/office/powerpoint/2010/main" val="1087344130"/>
+        <p14:creationId xmlns:p14="http://schemas.microsoft.com/office/powerpoint/2010/main" val="2409583796"/>
       </p:ext>
     </p:extLst>
   </p:cSld>
@@ -13166,6 +14864,108 @@
           <a:p>
             <a:r>
               <a:rPr lang="en-US" b="1" dirty="0"/>
+              <a:t>Decision Tree Classification Task</a:t>
+            </a:r>
+            <a:endParaRPr lang="en-US" dirty="0"/>
+          </a:p>
+        </p:txBody>
+      </p:sp>
+      <p:pic>
+        <p:nvPicPr>
+          <p:cNvPr id="2050" name="Picture 2" descr="C:\Users\Kyo\Desktop\Capture.PNG"/>
+          <p:cNvPicPr>
+            <a:picLocks noChangeAspect="1" noChangeArrowheads="1"/>
+          </p:cNvPicPr>
+          <p:nvPr/>
+        </p:nvPicPr>
+        <p:blipFill>
+          <a:blip r:embed="rId2">
+            <a:extLst>
+              <a:ext uri="{28A0092B-C50C-407E-A947-70E740481C1C}">
+                <a14:useLocalDpi xmlns:a14="http://schemas.microsoft.com/office/drawing/2010/main" val="0"/>
+              </a:ext>
+            </a:extLst>
+          </a:blip>
+          <a:srcRect/>
+          <a:stretch>
+            <a:fillRect/>
+          </a:stretch>
+        </p:blipFill>
+        <p:spPr bwMode="auto">
+          <a:xfrm>
+            <a:off x="1265274" y="742950"/>
+            <a:ext cx="5935663" cy="4206728"/>
+          </a:xfrm>
+          <a:prstGeom prst="rect">
+            <a:avLst/>
+          </a:prstGeom>
+          <a:noFill/>
+          <a:extLst>
+            <a:ext uri="{909E8E84-426E-40DD-AFC4-6F175D3DCCD1}">
+              <a14:hiddenFill xmlns:a14="http://schemas.microsoft.com/office/drawing/2010/main">
+                <a:solidFill>
+                  <a:srgbClr val="FFFFFF"/>
+                </a:solidFill>
+              </a14:hiddenFill>
+            </a:ext>
+          </a:extLst>
+        </p:spPr>
+      </p:pic>
+    </p:spTree>
+    <p:extLst>
+      <p:ext uri="{BB962C8B-B14F-4D97-AF65-F5344CB8AC3E}">
+        <p14:creationId xmlns:p14="http://schemas.microsoft.com/office/powerpoint/2010/main" val="1087344130"/>
+      </p:ext>
+    </p:extLst>
+  </p:cSld>
+  <p:clrMapOvr>
+    <a:masterClrMapping/>
+  </p:clrMapOvr>
+  <p:transition spd="slow"/>
+  <p:timing>
+    <p:tnLst>
+      <p:par>
+        <p:cTn id="1" dur="indefinite" restart="never" nodeType="tmRoot"/>
+      </p:par>
+    </p:tnLst>
+  </p:timing>
+</p:sld>
+</file>
+
+<file path=ppt/slides/slide7.xml><?xml version="1.0" encoding="utf-8"?>
+<p:sld xmlns:a="http://schemas.openxmlformats.org/drawingml/2006/main" xmlns:r="http://schemas.openxmlformats.org/officeDocument/2006/relationships" xmlns:p="http://schemas.openxmlformats.org/presentationml/2006/main">
+  <p:cSld>
+    <p:spTree>
+      <p:nvGrpSpPr>
+        <p:cNvPr id="1" name=""/>
+        <p:cNvGrpSpPr/>
+        <p:nvPr/>
+      </p:nvGrpSpPr>
+      <p:grpSpPr>
+        <a:xfrm>
+          <a:off x="0" y="0"/>
+          <a:ext cx="0" cy="0"/>
+          <a:chOff x="0" y="0"/>
+          <a:chExt cx="0" cy="0"/>
+        </a:xfrm>
+      </p:grpSpPr>
+      <p:sp>
+        <p:nvSpPr>
+          <p:cNvPr id="2" name="Title 1"/>
+          <p:cNvSpPr>
+            <a:spLocks noGrp="1"/>
+          </p:cNvSpPr>
+          <p:nvPr>
+            <p:ph type="title"/>
+          </p:nvPr>
+        </p:nvSpPr>
+        <p:spPr/>
+        <p:txBody>
+          <a:bodyPr/>
+          <a:lstStyle/>
+          <a:p>
+            <a:r>
+              <a:rPr lang="en-US" b="1" dirty="0"/>
               <a:t>Decision Tree Induction</a:t>
             </a:r>
             <a:endParaRPr lang="en-US" dirty="0"/>
@@ -13377,7 +15177,7 @@
 </p:sld>
 </file>
 
-<file path=ppt/slides/slide7.xml><?xml version="1.0" encoding="utf-8"?>
+<file path=ppt/slides/slide8.xml><?xml version="1.0" encoding="utf-8"?>
 <p:sld xmlns:a="http://schemas.openxmlformats.org/drawingml/2006/main" xmlns:r="http://schemas.openxmlformats.org/officeDocument/2006/relationships" xmlns:p="http://schemas.openxmlformats.org/presentationml/2006/main">
   <p:cSld>
     <p:spTree>

--- a/Documents/DataMining.pptx
+++ b/Documents/DataMining.pptx
@@ -7,7 +7,7 @@
     <p:sldMasterId id="2147483683" r:id="rId3"/>
   </p:sldMasterIdLst>
   <p:notesMasterIdLst>
-    <p:notesMasterId r:id="rId12"/>
+    <p:notesMasterId r:id="rId13"/>
   </p:notesMasterIdLst>
   <p:sldIdLst>
     <p:sldId id="256" r:id="rId4"/>
@@ -17,7 +17,8 @@
     <p:sldId id="278" r:id="rId8"/>
     <p:sldId id="280" r:id="rId9"/>
     <p:sldId id="279" r:id="rId10"/>
-    <p:sldId id="275" r:id="rId11"/>
+    <p:sldId id="282" r:id="rId11"/>
+    <p:sldId id="275" r:id="rId12"/>
   </p:sldIdLst>
   <p:sldSz cx="9144000" cy="5143500" type="screen16x9"/>
   <p:notesSz cx="6858000" cy="9144000"/>
@@ -207,7 +208,7 @@
           <a:p>
             <a:fld id="{583FCA0D-5591-4BBE-99D9-278F61168510}" type="datetimeFigureOut">
               <a:rPr lang="en-US" smtClean="0"/>
-              <a:t>10/9/2011</a:t>
+              <a:t>10/12/2011</a:t>
             </a:fld>
             <a:endParaRPr lang="en-US"/>
           </a:p>
@@ -869,7 +870,7 @@
           <a:p>
             <a:fld id="{2E16D3F5-7A2C-4A23-896D-2AF7EDFD4A28}" type="datetimeFigureOut">
               <a:rPr lang="en-US" smtClean="0"/>
-              <a:t>10/9/2011</a:t>
+              <a:t>10/12/2011</a:t>
             </a:fld>
             <a:endParaRPr lang="en-US"/>
           </a:p>
@@ -3480,7 +3481,7 @@
           <a:p>
             <a:fld id="{2E16D3F5-7A2C-4A23-896D-2AF7EDFD4A28}" type="datetimeFigureOut">
               <a:rPr lang="en-US" smtClean="0"/>
-              <a:t>10/9/2011</a:t>
+              <a:t>10/12/2011</a:t>
             </a:fld>
             <a:endParaRPr lang="en-US"/>
           </a:p>
@@ -9397,7 +9398,7 @@
           <a:p>
             <a:fld id="{2E16D3F5-7A2C-4A23-896D-2AF7EDFD4A28}" type="datetimeFigureOut">
               <a:rPr lang="en-US" smtClean="0"/>
-              <a:t>10/9/2011</a:t>
+              <a:t>10/12/2011</a:t>
             </a:fld>
             <a:endParaRPr lang="en-US"/>
           </a:p>
@@ -12900,8 +12901,8 @@
           </a:p>
         </p:txBody>
       </p:sp>
-      <mc:AlternateContent xmlns:mc="http://schemas.openxmlformats.org/markup-compatibility/2006">
-        <mc:Choice xmlns:a14="http://schemas.microsoft.com/office/drawing/2010/main" Requires="a14">
+      <mc:AlternateContent xmlns:mc="http://schemas.openxmlformats.org/markup-compatibility/2006" xmlns:a14="http://schemas.microsoft.com/office/drawing/2010/main">
+        <mc:Choice Requires="a14">
           <p:sp>
             <p:nvSpPr>
               <p:cNvPr id="3" name="Content Placeholder 2"/>
@@ -12974,11 +12975,7 @@
                 </a:r>
                 <a:r>
                   <a:rPr lang="en-US" sz="1600" dirty="0" smtClean="0"/>
-                  <a:t>by the model</a:t>
-                </a:r>
-                <a:r>
-                  <a:rPr lang="en-US" sz="1600" dirty="0" smtClean="0"/>
-                  <a:t>.</a:t>
+                  <a:t>by the model.</a:t>
                 </a:r>
               </a:p>
               <a:p>
@@ -13004,7 +13001,6 @@
                   <a:rPr lang="en-US" sz="1400" dirty="0" smtClean="0"/>
                   <a:t>Confusion matrix for a 2-class problem</a:t>
                 </a:r>
-                <a:endParaRPr lang="en-US" sz="1400" dirty="0" smtClean="0"/>
               </a:p>
               <a:p>
                 <a:pPr>
@@ -13166,7 +13162,7 @@
                       <m:fPr>
                         <m:ctrlPr>
                           <a:rPr lang="en-US" sz="1800" i="1" smtClean="0">
-                            <a:latin typeface="Cambria Math" pitchFamily="18" charset="0"/>
+                            <a:latin typeface="Cambria Math"/>
                             <a:ea typeface="Cambria Math" pitchFamily="18" charset="0"/>
                           </a:rPr>
                         </m:ctrlPr>
@@ -13176,7 +13172,7 @@
                           <m:sSubPr>
                             <m:ctrlPr>
                               <a:rPr lang="pt-BR" sz="1800" i="1">
-                                <a:latin typeface="Cambria Math" pitchFamily="18" charset="0"/>
+                                <a:latin typeface="Cambria Math"/>
                                 <a:ea typeface="Cambria Math" pitchFamily="18" charset="0"/>
                               </a:rPr>
                             </m:ctrlPr>
@@ -13211,7 +13207,7 @@
                           <m:sSubPr>
                             <m:ctrlPr>
                               <a:rPr lang="pt-BR" sz="1800" i="1">
-                                <a:latin typeface="Cambria Math" pitchFamily="18" charset="0"/>
+                                <a:latin typeface="Cambria Math"/>
                                 <a:ea typeface="Cambria Math" pitchFamily="18" charset="0"/>
                               </a:rPr>
                             </m:ctrlPr>
@@ -13241,7 +13237,7 @@
                           <m:sSubPr>
                             <m:ctrlPr>
                               <a:rPr lang="pt-BR" sz="1800" i="1">
-                                <a:latin typeface="Cambria Math" pitchFamily="18" charset="0"/>
+                                <a:latin typeface="Cambria Math"/>
                                 <a:ea typeface="Cambria Math" pitchFamily="18" charset="0"/>
                               </a:rPr>
                             </m:ctrlPr>
@@ -13276,7 +13272,7 @@
                           <m:sSubPr>
                             <m:ctrlPr>
                               <a:rPr lang="pt-BR" sz="1800" i="1">
-                                <a:latin typeface="Cambria Math" pitchFamily="18" charset="0"/>
+                                <a:latin typeface="Cambria Math"/>
                                 <a:ea typeface="Cambria Math" pitchFamily="18" charset="0"/>
                               </a:rPr>
                             </m:ctrlPr>
@@ -13325,7 +13321,7 @@
                           <m:sSubPr>
                             <m:ctrlPr>
                               <a:rPr lang="pt-BR" sz="1800" i="1">
-                                <a:latin typeface="Cambria Math" pitchFamily="18" charset="0"/>
+                                <a:latin typeface="Cambria Math"/>
                                 <a:ea typeface="Cambria Math" pitchFamily="18" charset="0"/>
                               </a:rPr>
                             </m:ctrlPr>
@@ -13367,7 +13363,7 @@
                           <m:sSubPr>
                             <m:ctrlPr>
                               <a:rPr lang="pt-BR" sz="1800" i="1">
-                                <a:latin typeface="Cambria Math" pitchFamily="18" charset="0"/>
+                                <a:latin typeface="Cambria Math"/>
                                 <a:ea typeface="Cambria Math" pitchFamily="18" charset="0"/>
                               </a:rPr>
                             </m:ctrlPr>
@@ -13704,14 +13700,7 @@
                                 <a:latin typeface="Cambria Math" pitchFamily="18" charset="0"/>
                                 <a:ea typeface="Cambria Math" pitchFamily="18" charset="0"/>
                               </a:rPr>
-                              <m:t>1</m:t>
-                            </m:r>
-                            <m:r>
-                              <a:rPr lang="en-US" sz="1800" i="1">
-                                <a:latin typeface="Cambria Math" pitchFamily="18" charset="0"/>
-                                <a:ea typeface="Cambria Math" pitchFamily="18" charset="0"/>
-                              </a:rPr>
-                              <m:t>0</m:t>
+                              <m:t>10</m:t>
                             </m:r>
                           </m:sub>
                         </m:sSub>
@@ -13746,14 +13735,7 @@
                                 <a:latin typeface="Cambria Math" pitchFamily="18" charset="0"/>
                                 <a:ea typeface="Cambria Math" pitchFamily="18" charset="0"/>
                               </a:rPr>
-                              <m:t>0</m:t>
-                            </m:r>
-                            <m:r>
-                              <a:rPr lang="en-US" sz="1800" i="1">
-                                <a:latin typeface="Cambria Math" pitchFamily="18" charset="0"/>
-                                <a:ea typeface="Cambria Math" pitchFamily="18" charset="0"/>
-                              </a:rPr>
-                              <m:t>1</m:t>
+                              <m:t>01</m:t>
                             </m:r>
                           </m:sub>
                         </m:sSub>
@@ -13812,14 +13794,7 @@
                     <a:latin typeface="Cambria Math" pitchFamily="18" charset="0"/>
                     <a:ea typeface="Cambria Math" pitchFamily="18" charset="0"/>
                   </a:rPr>
-                  <a:t>Most classification algorithms seek model tha</a:t>
-                </a:r>
-                <a:r>
-                  <a:rPr lang="en-US" sz="1600" dirty="0" smtClean="0">
-                    <a:latin typeface="Cambria Math" pitchFamily="18" charset="0"/>
-                    <a:ea typeface="Cambria Math" pitchFamily="18" charset="0"/>
-                  </a:rPr>
-                  <a:t>t attain the </a:t>
+                  <a:t>Most classification algorithms seek model that attain the </a:t>
                 </a:r>
                 <a:r>
                   <a:rPr lang="en-US" sz="1600" u="sng" dirty="0" smtClean="0">
@@ -13855,10 +13830,6 @@
                   </a:rPr>
                   <a:t>rate when applied to the test set.</a:t>
                 </a:r>
-                <a:endParaRPr lang="en-US" sz="1600" dirty="0" smtClean="0">
-                  <a:latin typeface="Cambria Math" pitchFamily="18" charset="0"/>
-                  <a:ea typeface="Cambria Math" pitchFamily="18" charset="0"/>
-                </a:endParaRPr>
               </a:p>
               <a:p>
                 <a:pPr>
@@ -13880,7 +13851,7 @@
             </p:txBody>
           </p:sp>
         </mc:Choice>
-        <mc:Fallback>
+        <mc:Fallback xmlns="">
           <p:sp>
             <p:nvSpPr>
               <p:cNvPr id="3" name="Content Placeholder 2"/>
@@ -13918,8 +13889,8 @@
           </p:sp>
         </mc:Fallback>
       </mc:AlternateContent>
-      <mc:AlternateContent xmlns:mc="http://schemas.openxmlformats.org/markup-compatibility/2006">
-        <mc:Choice xmlns:a14="http://schemas.microsoft.com/office/drawing/2010/main" Requires="a14">
+      <mc:AlternateContent xmlns:mc="http://schemas.openxmlformats.org/markup-compatibility/2006" xmlns:a14="http://schemas.microsoft.com/office/drawing/2010/main">
+        <mc:Choice Requires="a14">
           <p:graphicFrame>
             <p:nvGraphicFramePr>
               <p:cNvPr id="4" name="Table 3"/>
@@ -14326,7 +14297,7 @@
             </a:graphic>
           </p:graphicFrame>
         </mc:Choice>
-        <mc:Fallback>
+        <mc:Fallback xmlns="">
           <p:graphicFrame>
             <p:nvGraphicFramePr>
               <p:cNvPr id="4" name="Table 3"/>
@@ -15178,6 +15149,97 @@
 </file>
 
 <file path=ppt/slides/slide8.xml><?xml version="1.0" encoding="utf-8"?>
+<p:sld xmlns:a="http://schemas.openxmlformats.org/drawingml/2006/main" xmlns:r="http://schemas.openxmlformats.org/officeDocument/2006/relationships" xmlns:p="http://schemas.openxmlformats.org/presentationml/2006/main">
+  <p:cSld>
+    <p:spTree>
+      <p:nvGrpSpPr>
+        <p:cNvPr id="1" name=""/>
+        <p:cNvGrpSpPr/>
+        <p:nvPr/>
+      </p:nvGrpSpPr>
+      <p:grpSpPr>
+        <a:xfrm>
+          <a:off x="0" y="0"/>
+          <a:ext cx="0" cy="0"/>
+          <a:chOff x="0" y="0"/>
+          <a:chExt cx="0" cy="0"/>
+        </a:xfrm>
+      </p:grpSpPr>
+      <p:sp>
+        <p:nvSpPr>
+          <p:cNvPr id="2" name="Title 1"/>
+          <p:cNvSpPr>
+            <a:spLocks noGrp="1"/>
+          </p:cNvSpPr>
+          <p:nvPr>
+            <p:ph type="title"/>
+          </p:nvPr>
+        </p:nvSpPr>
+        <p:spPr>
+          <a:xfrm>
+            <a:off x="406800" y="-37800"/>
+            <a:ext cx="7060800" cy="857250"/>
+          </a:xfrm>
+        </p:spPr>
+        <p:txBody>
+          <a:bodyPr>
+            <a:normAutofit fontScale="90000"/>
+          </a:bodyPr>
+          <a:lstStyle/>
+          <a:p>
+            <a:r>
+              <a:rPr lang="en-US" b="1" dirty="0"/>
+              <a:t>Choosing Attributes to Split On: </a:t>
+            </a:r>
+            <a:r>
+              <a:rPr lang="en-US" b="1" dirty="0" smtClean="0"/>
+              <a:t>Using Entropy</a:t>
+            </a:r>
+            <a:endParaRPr lang="en-US" dirty="0"/>
+          </a:p>
+        </p:txBody>
+      </p:sp>
+      <p:sp>
+        <p:nvSpPr>
+          <p:cNvPr id="3" name="Content Placeholder 2"/>
+          <p:cNvSpPr>
+            <a:spLocks noGrp="1"/>
+          </p:cNvSpPr>
+          <p:nvPr>
+            <p:ph idx="1"/>
+          </p:nvPr>
+        </p:nvSpPr>
+        <p:spPr/>
+        <p:txBody>
+          <a:bodyPr/>
+          <a:lstStyle/>
+          <a:p>
+            <a:endParaRPr lang="en-US"/>
+          </a:p>
+        </p:txBody>
+      </p:sp>
+    </p:spTree>
+    <p:extLst>
+      <p:ext uri="{BB962C8B-B14F-4D97-AF65-F5344CB8AC3E}">
+        <p14:creationId xmlns:p14="http://schemas.microsoft.com/office/powerpoint/2010/main" val="2042630115"/>
+      </p:ext>
+    </p:extLst>
+  </p:cSld>
+  <p:clrMapOvr>
+    <a:masterClrMapping/>
+  </p:clrMapOvr>
+  <p:transition spd="slow"/>
+  <p:timing>
+    <p:tnLst>
+      <p:par>
+        <p:cTn id="1" dur="indefinite" restart="never" nodeType="tmRoot"/>
+      </p:par>
+    </p:tnLst>
+  </p:timing>
+</p:sld>
+</file>
+
+<file path=ppt/slides/slide9.xml><?xml version="1.0" encoding="utf-8"?>
 <p:sld xmlns:a="http://schemas.openxmlformats.org/drawingml/2006/main" xmlns:r="http://schemas.openxmlformats.org/officeDocument/2006/relationships" xmlns:p="http://schemas.openxmlformats.org/presentationml/2006/main">
   <p:cSld>
     <p:spTree>
